--- a/DSP/Ditte-Powerpoints/dspExamQ5.pptx
+++ b/DSP/Ditte-Powerpoints/dspExamQ5.pptx
@@ -1,27 +1,33 @@
 
 <file path=ppt/presentation.xml><?xml version="1.0" encoding="utf-8"?>
-<p:presentation xmlns:a="http://schemas.openxmlformats.org/drawingml/2006/main" xmlns:r="http://schemas.openxmlformats.org/officeDocument/2006/relationships" xmlns:p="http://schemas.openxmlformats.org/presentationml/2006/main" saveSubsetFonts="1">
+<p:presentation xmlns:a="http://schemas.openxmlformats.org/drawingml/2006/main" xmlns:r="http://schemas.openxmlformats.org/officeDocument/2006/relationships" xmlns:p="http://schemas.openxmlformats.org/presentationml/2006/main" showSpecialPlsOnTitleSld="0" saveSubsetFonts="1">
   <p:sldMasterIdLst>
     <p:sldMasterId id="2147483648" r:id="rId1"/>
   </p:sldMasterIdLst>
   <p:notesMasterIdLst>
-    <p:notesMasterId r:id="rId16"/>
+    <p:notesMasterId r:id="rId19"/>
   </p:notesMasterIdLst>
+  <p:handoutMasterIdLst>
+    <p:handoutMasterId r:id="rId20"/>
+  </p:handoutMasterIdLst>
   <p:sldIdLst>
     <p:sldId id="256" r:id="rId2"/>
     <p:sldId id="257" r:id="rId3"/>
     <p:sldId id="258" r:id="rId4"/>
     <p:sldId id="259" r:id="rId5"/>
-    <p:sldId id="261" r:id="rId6"/>
-    <p:sldId id="260" r:id="rId7"/>
-    <p:sldId id="266" r:id="rId8"/>
-    <p:sldId id="267" r:id="rId9"/>
-    <p:sldId id="268" r:id="rId10"/>
-    <p:sldId id="269" r:id="rId11"/>
-    <p:sldId id="270" r:id="rId12"/>
-    <p:sldId id="271" r:id="rId13"/>
-    <p:sldId id="272" r:id="rId14"/>
-    <p:sldId id="273" r:id="rId15"/>
+    <p:sldId id="260" r:id="rId6"/>
+    <p:sldId id="261" r:id="rId7"/>
+    <p:sldId id="274" r:id="rId8"/>
+    <p:sldId id="275" r:id="rId9"/>
+    <p:sldId id="266" r:id="rId10"/>
+    <p:sldId id="267" r:id="rId11"/>
+    <p:sldId id="268" r:id="rId12"/>
+    <p:sldId id="269" r:id="rId13"/>
+    <p:sldId id="270" r:id="rId14"/>
+    <p:sldId id="271" r:id="rId15"/>
+    <p:sldId id="272" r:id="rId16"/>
+    <p:sldId id="273" r:id="rId17"/>
+    <p:sldId id="276" r:id="rId18"/>
   </p:sldIdLst>
   <p:sldSz cx="12192000" cy="6858000"/>
   <p:notesSz cx="6858000" cy="9144000"/>
@@ -120,19 +126,324 @@
       </a:defRPr>
     </a:lvl9pPr>
   </p:defaultTextStyle>
+  <p:extLst>
+    <p:ext uri="{EFAFB233-063F-42B5-8137-9DF3F51BA10A}">
+      <p15:sldGuideLst xmlns:p15="http://schemas.microsoft.com/office/powerpoint/2012/main"/>
+    </p:ext>
+  </p:extLst>
 </p:presentation>
 </file>
 
 <file path=ppt/revisionInfo.xml><?xml version="1.0" encoding="utf-8"?>
 <p1510:revInfo xmlns:a="http://schemas.openxmlformats.org/drawingml/2006/main" xmlns:r="http://schemas.openxmlformats.org/officeDocument/2006/relationships" xmlns:p1510="http://schemas.microsoft.com/office/powerpoint/2015/10/main">
   <p1510:revLst>
-    <p1510:client id="{48EA6A21-7ABD-49ED-BFCC-67A1F3A4D35E}" v="6" dt="2024-12-28T07:12:41.010"/>
+    <p1510:client id="{84B1EED9-5144-4309-BE76-E7312CF83CAF}" v="9" dt="2025-01-15T13:09:58.678"/>
   </p1510:revLst>
 </p1510:revInfo>
 </file>
 
 <file path=ppt/changesInfos/changesInfo1.xml><?xml version="1.0" encoding="utf-8"?>
 <pc:chgInfo xmlns:a="http://schemas.openxmlformats.org/drawingml/2006/main" xmlns:r="http://schemas.openxmlformats.org/officeDocument/2006/relationships" xmlns:ac="http://schemas.microsoft.com/office/drawing/2013/main/command" xmlns:pc="http://schemas.microsoft.com/office/powerpoint/2013/main/command">
+  <pc:docChgLst>
+    <pc:chgData name="Ditte Filskov Theilgaard" userId="150196ba-3d64-4ece-aa51-395739ba31e6" providerId="ADAL" clId="{84B1EED9-5144-4309-BE76-E7312CF83CAF}"/>
+    <pc:docChg chg="undo custSel addSld delSld modSld sldOrd">
+      <pc:chgData name="Ditte Filskov Theilgaard" userId="150196ba-3d64-4ece-aa51-395739ba31e6" providerId="ADAL" clId="{84B1EED9-5144-4309-BE76-E7312CF83CAF}" dt="2025-01-15T13:10:08.738" v="234" actId="1076"/>
+      <pc:docMkLst>
+        <pc:docMk/>
+      </pc:docMkLst>
+      <pc:sldChg chg="addSp modSp mod">
+        <pc:chgData name="Ditte Filskov Theilgaard" userId="150196ba-3d64-4ece-aa51-395739ba31e6" providerId="ADAL" clId="{84B1EED9-5144-4309-BE76-E7312CF83CAF}" dt="2025-01-15T12:47:30.128" v="66" actId="1076"/>
+        <pc:sldMkLst>
+          <pc:docMk/>
+          <pc:sldMk cId="1609869835" sldId="257"/>
+        </pc:sldMkLst>
+        <pc:picChg chg="add mod">
+          <ac:chgData name="Ditte Filskov Theilgaard" userId="150196ba-3d64-4ece-aa51-395739ba31e6" providerId="ADAL" clId="{84B1EED9-5144-4309-BE76-E7312CF83CAF}" dt="2025-01-15T12:47:30.128" v="66" actId="1076"/>
+          <ac:picMkLst>
+            <pc:docMk/>
+            <pc:sldMk cId="1609869835" sldId="257"/>
+            <ac:picMk id="5" creationId="{526BAA97-564E-93BE-E381-F2384974C647}"/>
+          </ac:picMkLst>
+        </pc:picChg>
+      </pc:sldChg>
+      <pc:sldChg chg="modSp mod">
+        <pc:chgData name="Ditte Filskov Theilgaard" userId="150196ba-3d64-4ece-aa51-395739ba31e6" providerId="ADAL" clId="{84B1EED9-5144-4309-BE76-E7312CF83CAF}" dt="2025-01-15T12:10:29.978" v="22" actId="20577"/>
+        <pc:sldMkLst>
+          <pc:docMk/>
+          <pc:sldMk cId="2984756114" sldId="258"/>
+        </pc:sldMkLst>
+        <pc:spChg chg="mod">
+          <ac:chgData name="Ditte Filskov Theilgaard" userId="150196ba-3d64-4ece-aa51-395739ba31e6" providerId="ADAL" clId="{84B1EED9-5144-4309-BE76-E7312CF83CAF}" dt="2025-01-15T12:10:29.978" v="22" actId="20577"/>
+          <ac:spMkLst>
+            <pc:docMk/>
+            <pc:sldMk cId="2984756114" sldId="258"/>
+            <ac:spMk id="7" creationId="{271F5C17-4751-C624-9F99-4C9987EC7E90}"/>
+          </ac:spMkLst>
+        </pc:spChg>
+      </pc:sldChg>
+      <pc:sldChg chg="ord">
+        <pc:chgData name="Ditte Filskov Theilgaard" userId="150196ba-3d64-4ece-aa51-395739ba31e6" providerId="ADAL" clId="{84B1EED9-5144-4309-BE76-E7312CF83CAF}" dt="2025-01-15T12:12:12.701" v="24"/>
+        <pc:sldMkLst>
+          <pc:docMk/>
+          <pc:sldMk cId="2787387354" sldId="260"/>
+        </pc:sldMkLst>
+      </pc:sldChg>
+      <pc:sldChg chg="delSp modSp mod">
+        <pc:chgData name="Ditte Filskov Theilgaard" userId="150196ba-3d64-4ece-aa51-395739ba31e6" providerId="ADAL" clId="{84B1EED9-5144-4309-BE76-E7312CF83CAF}" dt="2025-01-15T12:39:19.636" v="56" actId="1076"/>
+        <pc:sldMkLst>
+          <pc:docMk/>
+          <pc:sldMk cId="1258869732" sldId="261"/>
+        </pc:sldMkLst>
+        <pc:picChg chg="mod">
+          <ac:chgData name="Ditte Filskov Theilgaard" userId="150196ba-3d64-4ece-aa51-395739ba31e6" providerId="ADAL" clId="{84B1EED9-5144-4309-BE76-E7312CF83CAF}" dt="2025-01-15T12:39:19.636" v="56" actId="1076"/>
+          <ac:picMkLst>
+            <pc:docMk/>
+            <pc:sldMk cId="1258869732" sldId="261"/>
+            <ac:picMk id="10" creationId="{1255CB0D-7BF4-3ED3-FBCC-22243736F176}"/>
+          </ac:picMkLst>
+        </pc:picChg>
+        <pc:picChg chg="del">
+          <ac:chgData name="Ditte Filskov Theilgaard" userId="150196ba-3d64-4ece-aa51-395739ba31e6" providerId="ADAL" clId="{84B1EED9-5144-4309-BE76-E7312CF83CAF}" dt="2025-01-15T12:30:15.964" v="25" actId="21"/>
+          <ac:picMkLst>
+            <pc:docMk/>
+            <pc:sldMk cId="1258869732" sldId="261"/>
+            <ac:picMk id="14" creationId="{3A1E204C-1D2E-53D8-3FBD-1442D3BE2FB3}"/>
+          </ac:picMkLst>
+        </pc:picChg>
+      </pc:sldChg>
+      <pc:sldChg chg="modSp mod">
+        <pc:chgData name="Ditte Filskov Theilgaard" userId="150196ba-3d64-4ece-aa51-395739ba31e6" providerId="ADAL" clId="{84B1EED9-5144-4309-BE76-E7312CF83CAF}" dt="2025-01-15T12:44:13.429" v="57" actId="14100"/>
+        <pc:sldMkLst>
+          <pc:docMk/>
+          <pc:sldMk cId="2962802970" sldId="269"/>
+        </pc:sldMkLst>
+        <pc:picChg chg="mod">
+          <ac:chgData name="Ditte Filskov Theilgaard" userId="150196ba-3d64-4ece-aa51-395739ba31e6" providerId="ADAL" clId="{84B1EED9-5144-4309-BE76-E7312CF83CAF}" dt="2025-01-15T12:44:13.429" v="57" actId="14100"/>
+          <ac:picMkLst>
+            <pc:docMk/>
+            <pc:sldMk cId="2962802970" sldId="269"/>
+            <ac:picMk id="3" creationId="{CD2AA825-B1B1-EB4E-277D-20927576E80B}"/>
+          </ac:picMkLst>
+        </pc:picChg>
+      </pc:sldChg>
+      <pc:sldChg chg="modSp mod">
+        <pc:chgData name="Ditte Filskov Theilgaard" userId="150196ba-3d64-4ece-aa51-395739ba31e6" providerId="ADAL" clId="{84B1EED9-5144-4309-BE76-E7312CF83CAF}" dt="2025-01-15T12:44:41.239" v="58" actId="14100"/>
+        <pc:sldMkLst>
+          <pc:docMk/>
+          <pc:sldMk cId="3927298100" sldId="270"/>
+        </pc:sldMkLst>
+        <pc:picChg chg="mod">
+          <ac:chgData name="Ditte Filskov Theilgaard" userId="150196ba-3d64-4ece-aa51-395739ba31e6" providerId="ADAL" clId="{84B1EED9-5144-4309-BE76-E7312CF83CAF}" dt="2025-01-15T12:44:41.239" v="58" actId="14100"/>
+          <ac:picMkLst>
+            <pc:docMk/>
+            <pc:sldMk cId="3927298100" sldId="270"/>
+            <ac:picMk id="3" creationId="{613889C7-1D04-53BE-6D97-B5811EA7C184}"/>
+          </ac:picMkLst>
+        </pc:picChg>
+      </pc:sldChg>
+      <pc:sldChg chg="modSp mod">
+        <pc:chgData name="Ditte Filskov Theilgaard" userId="150196ba-3d64-4ece-aa51-395739ba31e6" providerId="ADAL" clId="{84B1EED9-5144-4309-BE76-E7312CF83CAF}" dt="2025-01-15T12:45:17.203" v="59" actId="14100"/>
+        <pc:sldMkLst>
+          <pc:docMk/>
+          <pc:sldMk cId="1366387822" sldId="271"/>
+        </pc:sldMkLst>
+        <pc:picChg chg="mod">
+          <ac:chgData name="Ditte Filskov Theilgaard" userId="150196ba-3d64-4ece-aa51-395739ba31e6" providerId="ADAL" clId="{84B1EED9-5144-4309-BE76-E7312CF83CAF}" dt="2025-01-15T12:45:17.203" v="59" actId="14100"/>
+          <ac:picMkLst>
+            <pc:docMk/>
+            <pc:sldMk cId="1366387822" sldId="271"/>
+            <ac:picMk id="3" creationId="{077B40E9-B5E8-6F69-33DB-922461C0B27E}"/>
+          </ac:picMkLst>
+        </pc:picChg>
+      </pc:sldChg>
+      <pc:sldChg chg="addSp delSp modSp mod">
+        <pc:chgData name="Ditte Filskov Theilgaard" userId="150196ba-3d64-4ece-aa51-395739ba31e6" providerId="ADAL" clId="{84B1EED9-5144-4309-BE76-E7312CF83CAF}" dt="2025-01-15T13:08:06.864" v="227" actId="14100"/>
+        <pc:sldMkLst>
+          <pc:docMk/>
+          <pc:sldMk cId="1479218624" sldId="272"/>
+        </pc:sldMkLst>
+        <pc:picChg chg="del mod modCrop">
+          <ac:chgData name="Ditte Filskov Theilgaard" userId="150196ba-3d64-4ece-aa51-395739ba31e6" providerId="ADAL" clId="{84B1EED9-5144-4309-BE76-E7312CF83CAF}" dt="2025-01-15T13:08:02.197" v="225" actId="478"/>
+          <ac:picMkLst>
+            <pc:docMk/>
+            <pc:sldMk cId="1479218624" sldId="272"/>
+            <ac:picMk id="3" creationId="{807723A9-CD50-3B5F-2522-4332D84622A5}"/>
+          </ac:picMkLst>
+        </pc:picChg>
+        <pc:picChg chg="add del mod">
+          <ac:chgData name="Ditte Filskov Theilgaard" userId="150196ba-3d64-4ece-aa51-395739ba31e6" providerId="ADAL" clId="{84B1EED9-5144-4309-BE76-E7312CF83CAF}" dt="2025-01-15T12:49:56.530" v="78" actId="21"/>
+          <ac:picMkLst>
+            <pc:docMk/>
+            <pc:sldMk cId="1479218624" sldId="272"/>
+            <ac:picMk id="7" creationId="{425C61A1-7476-C9EF-61F0-A091E3ED6C27}"/>
+          </ac:picMkLst>
+        </pc:picChg>
+        <pc:picChg chg="add del mod">
+          <ac:chgData name="Ditte Filskov Theilgaard" userId="150196ba-3d64-4ece-aa51-395739ba31e6" providerId="ADAL" clId="{84B1EED9-5144-4309-BE76-E7312CF83CAF}" dt="2025-01-15T12:56:06.160" v="201" actId="478"/>
+          <ac:picMkLst>
+            <pc:docMk/>
+            <pc:sldMk cId="1479218624" sldId="272"/>
+            <ac:picMk id="8" creationId="{425C61A1-7476-C9EF-61F0-A091E3ED6C27}"/>
+          </ac:picMkLst>
+        </pc:picChg>
+        <pc:picChg chg="add mod">
+          <ac:chgData name="Ditte Filskov Theilgaard" userId="150196ba-3d64-4ece-aa51-395739ba31e6" providerId="ADAL" clId="{84B1EED9-5144-4309-BE76-E7312CF83CAF}" dt="2025-01-15T13:08:06.864" v="227" actId="14100"/>
+          <ac:picMkLst>
+            <pc:docMk/>
+            <pc:sldMk cId="1479218624" sldId="272"/>
+            <ac:picMk id="10" creationId="{1C7E2810-A129-8D38-3381-72BF25E43937}"/>
+          </ac:picMkLst>
+        </pc:picChg>
+      </pc:sldChg>
+      <pc:sldChg chg="addSp delSp modSp mod">
+        <pc:chgData name="Ditte Filskov Theilgaard" userId="150196ba-3d64-4ece-aa51-395739ba31e6" providerId="ADAL" clId="{84B1EED9-5144-4309-BE76-E7312CF83CAF}" dt="2025-01-15T13:05:04.157" v="224" actId="1076"/>
+        <pc:sldMkLst>
+          <pc:docMk/>
+          <pc:sldMk cId="1363849492" sldId="273"/>
+        </pc:sldMkLst>
+        <pc:spChg chg="add del mod">
+          <ac:chgData name="Ditte Filskov Theilgaard" userId="150196ba-3d64-4ece-aa51-395739ba31e6" providerId="ADAL" clId="{84B1EED9-5144-4309-BE76-E7312CF83CAF}" dt="2025-01-15T12:52:22.020" v="200" actId="478"/>
+          <ac:spMkLst>
+            <pc:docMk/>
+            <pc:sldMk cId="1363849492" sldId="273"/>
+            <ac:spMk id="8" creationId="{0F0C7A60-81A4-9BB3-17A4-059F4B06E017}"/>
+          </ac:spMkLst>
+        </pc:spChg>
+        <pc:picChg chg="del mod modCrop">
+          <ac:chgData name="Ditte Filskov Theilgaard" userId="150196ba-3d64-4ece-aa51-395739ba31e6" providerId="ADAL" clId="{84B1EED9-5144-4309-BE76-E7312CF83CAF}" dt="2025-01-15T12:51:10.257" v="92" actId="478"/>
+          <ac:picMkLst>
+            <pc:docMk/>
+            <pc:sldMk cId="1363849492" sldId="273"/>
+            <ac:picMk id="3" creationId="{48672EA2-5F8D-93FD-53EA-B91E1AA31093}"/>
+          </ac:picMkLst>
+        </pc:picChg>
+        <pc:picChg chg="add del mod">
+          <ac:chgData name="Ditte Filskov Theilgaard" userId="150196ba-3d64-4ece-aa51-395739ba31e6" providerId="ADAL" clId="{84B1EED9-5144-4309-BE76-E7312CF83CAF}" dt="2025-01-15T13:04:52.045" v="220" actId="478"/>
+          <ac:picMkLst>
+            <pc:docMk/>
+            <pc:sldMk cId="1363849492" sldId="273"/>
+            <ac:picMk id="7" creationId="{F276BE0A-070E-4BF0-BFAD-B182449F1198}"/>
+          </ac:picMkLst>
+        </pc:picChg>
+        <pc:picChg chg="add mod">
+          <ac:chgData name="Ditte Filskov Theilgaard" userId="150196ba-3d64-4ece-aa51-395739ba31e6" providerId="ADAL" clId="{84B1EED9-5144-4309-BE76-E7312CF83CAF}" dt="2025-01-15T12:57:59.286" v="219" actId="14100"/>
+          <ac:picMkLst>
+            <pc:docMk/>
+            <pc:sldMk cId="1363849492" sldId="273"/>
+            <ac:picMk id="9" creationId="{4E43D777-490B-2529-C54A-B561C6C511AD}"/>
+          </ac:picMkLst>
+        </pc:picChg>
+        <pc:picChg chg="add mod">
+          <ac:chgData name="Ditte Filskov Theilgaard" userId="150196ba-3d64-4ece-aa51-395739ba31e6" providerId="ADAL" clId="{84B1EED9-5144-4309-BE76-E7312CF83CAF}" dt="2025-01-15T13:05:04.157" v="224" actId="1076"/>
+          <ac:picMkLst>
+            <pc:docMk/>
+            <pc:sldMk cId="1363849492" sldId="273"/>
+            <ac:picMk id="11" creationId="{1B905AE1-AC9F-1D27-3AA0-745833237918}"/>
+          </ac:picMkLst>
+        </pc:picChg>
+      </pc:sldChg>
+      <pc:sldChg chg="addSp delSp new mod">
+        <pc:chgData name="Ditte Filskov Theilgaard" userId="150196ba-3d64-4ece-aa51-395739ba31e6" providerId="ADAL" clId="{84B1EED9-5144-4309-BE76-E7312CF83CAF}" dt="2025-01-15T12:30:59.394" v="31" actId="22"/>
+        <pc:sldMkLst>
+          <pc:docMk/>
+          <pc:sldMk cId="2390960450" sldId="274"/>
+        </pc:sldMkLst>
+        <pc:spChg chg="del">
+          <ac:chgData name="Ditte Filskov Theilgaard" userId="150196ba-3d64-4ece-aa51-395739ba31e6" providerId="ADAL" clId="{84B1EED9-5144-4309-BE76-E7312CF83CAF}" dt="2025-01-15T12:30:58.681" v="30" actId="478"/>
+          <ac:spMkLst>
+            <pc:docMk/>
+            <pc:sldMk cId="2390960450" sldId="274"/>
+            <ac:spMk id="2" creationId="{325162CC-DC56-D06D-4877-CF597A1215F6}"/>
+          </ac:spMkLst>
+        </pc:spChg>
+        <pc:picChg chg="add">
+          <ac:chgData name="Ditte Filskov Theilgaard" userId="150196ba-3d64-4ece-aa51-395739ba31e6" providerId="ADAL" clId="{84B1EED9-5144-4309-BE76-E7312CF83CAF}" dt="2025-01-15T12:30:59.394" v="31" actId="22"/>
+          <ac:picMkLst>
+            <pc:docMk/>
+            <pc:sldMk cId="2390960450" sldId="274"/>
+            <ac:picMk id="4" creationId="{CC5399F8-A15D-719B-68BB-BB7482B4D2A4}"/>
+          </ac:picMkLst>
+        </pc:picChg>
+      </pc:sldChg>
+      <pc:sldChg chg="addSp delSp modSp new mod">
+        <pc:chgData name="Ditte Filskov Theilgaard" userId="150196ba-3d64-4ece-aa51-395739ba31e6" providerId="ADAL" clId="{84B1EED9-5144-4309-BE76-E7312CF83CAF}" dt="2025-01-15T12:35:57.740" v="51" actId="14100"/>
+        <pc:sldMkLst>
+          <pc:docMk/>
+          <pc:sldMk cId="2282261289" sldId="275"/>
+        </pc:sldMkLst>
+        <pc:spChg chg="del">
+          <ac:chgData name="Ditte Filskov Theilgaard" userId="150196ba-3d64-4ece-aa51-395739ba31e6" providerId="ADAL" clId="{84B1EED9-5144-4309-BE76-E7312CF83CAF}" dt="2025-01-15T12:30:29.435" v="29" actId="478"/>
+          <ac:spMkLst>
+            <pc:docMk/>
+            <pc:sldMk cId="2282261289" sldId="275"/>
+            <ac:spMk id="2" creationId="{16B4717F-E4A2-B8C9-12A2-EC2D1EF378F1}"/>
+          </ac:spMkLst>
+        </pc:spChg>
+        <pc:picChg chg="add mod modCrop">
+          <ac:chgData name="Ditte Filskov Theilgaard" userId="150196ba-3d64-4ece-aa51-395739ba31e6" providerId="ADAL" clId="{84B1EED9-5144-4309-BE76-E7312CF83CAF}" dt="2025-01-15T12:35:34.724" v="42" actId="732"/>
+          <ac:picMkLst>
+            <pc:docMk/>
+            <pc:sldMk cId="2282261289" sldId="275"/>
+            <ac:picMk id="4" creationId="{376B4B89-B1B0-6F50-EA6A-CFAB300F4B8C}"/>
+          </ac:picMkLst>
+        </pc:picChg>
+        <pc:picChg chg="add mod modCrop">
+          <ac:chgData name="Ditte Filskov Theilgaard" userId="150196ba-3d64-4ece-aa51-395739ba31e6" providerId="ADAL" clId="{84B1EED9-5144-4309-BE76-E7312CF83CAF}" dt="2025-01-15T12:35:54.289" v="50" actId="1076"/>
+          <ac:picMkLst>
+            <pc:docMk/>
+            <pc:sldMk cId="2282261289" sldId="275"/>
+            <ac:picMk id="6" creationId="{8AD69153-A5CE-F3BC-019B-0D1CFCD744E6}"/>
+          </ac:picMkLst>
+        </pc:picChg>
+        <pc:picChg chg="add mod">
+          <ac:chgData name="Ditte Filskov Theilgaard" userId="150196ba-3d64-4ece-aa51-395739ba31e6" providerId="ADAL" clId="{84B1EED9-5144-4309-BE76-E7312CF83CAF}" dt="2025-01-15T12:35:57.740" v="51" actId="14100"/>
+          <ac:picMkLst>
+            <pc:docMk/>
+            <pc:sldMk cId="2282261289" sldId="275"/>
+            <ac:picMk id="14" creationId="{3A1E204C-1D2E-53D8-3FBD-1442D3BE2FB3}"/>
+          </ac:picMkLst>
+        </pc:picChg>
+      </pc:sldChg>
+      <pc:sldChg chg="addSp modSp new mod">
+        <pc:chgData name="Ditte Filskov Theilgaard" userId="150196ba-3d64-4ece-aa51-395739ba31e6" providerId="ADAL" clId="{84B1EED9-5144-4309-BE76-E7312CF83CAF}" dt="2025-01-15T13:10:08.738" v="234" actId="1076"/>
+        <pc:sldMkLst>
+          <pc:docMk/>
+          <pc:sldMk cId="158843786" sldId="276"/>
+        </pc:sldMkLst>
+        <pc:picChg chg="add mod modCrop">
+          <ac:chgData name="Ditte Filskov Theilgaard" userId="150196ba-3d64-4ece-aa51-395739ba31e6" providerId="ADAL" clId="{84B1EED9-5144-4309-BE76-E7312CF83CAF}" dt="2025-01-15T13:10:08.738" v="234" actId="1076"/>
+          <ac:picMkLst>
+            <pc:docMk/>
+            <pc:sldMk cId="158843786" sldId="276"/>
+            <ac:picMk id="4" creationId="{EFE6DFEC-C215-9FDD-9BFF-A4D4C0F9D664}"/>
+          </ac:picMkLst>
+        </pc:picChg>
+      </pc:sldChg>
+      <pc:sldChg chg="addSp delSp modSp new del mod">
+        <pc:chgData name="Ditte Filskov Theilgaard" userId="150196ba-3d64-4ece-aa51-395739ba31e6" providerId="ADAL" clId="{84B1EED9-5144-4309-BE76-E7312CF83CAF}" dt="2025-01-15T13:08:14.655" v="228" actId="47"/>
+        <pc:sldMkLst>
+          <pc:docMk/>
+          <pc:sldMk cId="1199787890" sldId="276"/>
+        </pc:sldMkLst>
+        <pc:picChg chg="add del">
+          <ac:chgData name="Ditte Filskov Theilgaard" userId="150196ba-3d64-4ece-aa51-395739ba31e6" providerId="ADAL" clId="{84B1EED9-5144-4309-BE76-E7312CF83CAF}" dt="2025-01-15T12:57:15.776" v="206" actId="22"/>
+          <ac:picMkLst>
+            <pc:docMk/>
+            <pc:sldMk cId="1199787890" sldId="276"/>
+            <ac:picMk id="4" creationId="{140D8945-D009-6EA4-6618-F30F2D1BC789}"/>
+          </ac:picMkLst>
+        </pc:picChg>
+        <pc:picChg chg="add del mod modCrop">
+          <ac:chgData name="Ditte Filskov Theilgaard" userId="150196ba-3d64-4ece-aa51-395739ba31e6" providerId="ADAL" clId="{84B1EED9-5144-4309-BE76-E7312CF83CAF}" dt="2025-01-15T12:57:46.591" v="213" actId="21"/>
+          <ac:picMkLst>
+            <pc:docMk/>
+            <pc:sldMk cId="1199787890" sldId="276"/>
+            <ac:picMk id="6" creationId="{4E43D777-490B-2529-C54A-B561C6C511AD}"/>
+          </ac:picMkLst>
+        </pc:picChg>
+      </pc:sldChg>
+    </pc:docChg>
+  </pc:docChgLst>
   <pc:docChgLst>
     <pc:chgData name="Ditte Filskov Theilgaard" userId="150196ba-3d64-4ece-aa51-395739ba31e6" providerId="ADAL" clId="{48EA6A21-7ABD-49ED-BFCC-67A1F3A4D35E}"/>
     <pc:docChg chg="custSel addSld delSld modSld sldOrd">
@@ -207,22 +518,6 @@
             <ac:spMk id="7" creationId="{271F5C17-4751-C624-9F99-4C9987EC7E90}"/>
           </ac:spMkLst>
         </pc:spChg>
-        <pc:picChg chg="add del">
-          <ac:chgData name="Ditte Filskov Theilgaard" userId="150196ba-3d64-4ece-aa51-395739ba31e6" providerId="ADAL" clId="{48EA6A21-7ABD-49ED-BFCC-67A1F3A4D35E}" dt="2024-12-28T07:18:45.895" v="163" actId="478"/>
-          <ac:picMkLst>
-            <pc:docMk/>
-            <pc:sldMk cId="2984756114" sldId="258"/>
-            <ac:picMk id="4" creationId="{C9F0129C-8013-9449-8AFA-01F10FD6986A}"/>
-          </ac:picMkLst>
-        </pc:picChg>
-        <pc:picChg chg="add del">
-          <ac:chgData name="Ditte Filskov Theilgaard" userId="150196ba-3d64-4ece-aa51-395739ba31e6" providerId="ADAL" clId="{48EA6A21-7ABD-49ED-BFCC-67A1F3A4D35E}" dt="2024-12-28T07:19:21.009" v="166" actId="478"/>
-          <ac:picMkLst>
-            <pc:docMk/>
-            <pc:sldMk cId="2984756114" sldId="258"/>
-            <ac:picMk id="6" creationId="{23DA38FC-2A75-3298-2A59-BFBA336AB6DA}"/>
-          </ac:picMkLst>
-        </pc:picChg>
       </pc:sldChg>
       <pc:sldChg chg="del">
         <pc:chgData name="Ditte Filskov Theilgaard" userId="150196ba-3d64-4ece-aa51-395739ba31e6" providerId="ADAL" clId="{48EA6A21-7ABD-49ED-BFCC-67A1F3A4D35E}" dt="2024-12-28T07:12:17.284" v="7" actId="47"/>
@@ -245,22 +540,6 @@
             <ac:spMk id="2" creationId="{E1038CDA-8250-6C84-5838-92BBDD6859F1}"/>
           </ac:spMkLst>
         </pc:spChg>
-        <pc:picChg chg="add del mod">
-          <ac:chgData name="Ditte Filskov Theilgaard" userId="150196ba-3d64-4ece-aa51-395739ba31e6" providerId="ADAL" clId="{48EA6A21-7ABD-49ED-BFCC-67A1F3A4D35E}" dt="2024-12-28T07:27:54.144" v="401" actId="478"/>
-          <ac:picMkLst>
-            <pc:docMk/>
-            <pc:sldMk cId="3979618845" sldId="259"/>
-            <ac:picMk id="4" creationId="{F5BBE983-3A72-7F89-D9D2-A2F0A8615D32}"/>
-          </ac:picMkLst>
-        </pc:picChg>
-        <pc:picChg chg="add del mod">
-          <ac:chgData name="Ditte Filskov Theilgaard" userId="150196ba-3d64-4ece-aa51-395739ba31e6" providerId="ADAL" clId="{48EA6A21-7ABD-49ED-BFCC-67A1F3A4D35E}" dt="2024-12-28T08:09:45.405" v="549" actId="478"/>
-          <ac:picMkLst>
-            <pc:docMk/>
-            <pc:sldMk cId="3979618845" sldId="259"/>
-            <ac:picMk id="6" creationId="{18AEB63C-00F9-12F4-D9F1-BBF41CECFCE5}"/>
-          </ac:picMkLst>
-        </pc:picChg>
         <pc:picChg chg="add mod">
           <ac:chgData name="Ditte Filskov Theilgaard" userId="150196ba-3d64-4ece-aa51-395739ba31e6" providerId="ADAL" clId="{48EA6A21-7ABD-49ED-BFCC-67A1F3A4D35E}" dt="2024-12-28T08:09:52.672" v="552" actId="1076"/>
           <ac:picMkLst>
@@ -306,22 +585,6 @@
           <pc:docMk/>
           <pc:sldMk cId="1258869732" sldId="261"/>
         </pc:sldMkLst>
-        <pc:spChg chg="del">
-          <ac:chgData name="Ditte Filskov Theilgaard" userId="150196ba-3d64-4ece-aa51-395739ba31e6" providerId="ADAL" clId="{48EA6A21-7ABD-49ED-BFCC-67A1F3A4D35E}" dt="2024-12-28T07:38:22.547" v="473" actId="478"/>
-          <ac:spMkLst>
-            <pc:docMk/>
-            <pc:sldMk cId="1258869732" sldId="261"/>
-            <ac:spMk id="2" creationId="{E996CE6E-DA62-81A0-2A4E-64C0BAB7EA7D}"/>
-          </ac:spMkLst>
-        </pc:spChg>
-        <pc:picChg chg="add del mod">
-          <ac:chgData name="Ditte Filskov Theilgaard" userId="150196ba-3d64-4ece-aa51-395739ba31e6" providerId="ADAL" clId="{48EA6A21-7ABD-49ED-BFCC-67A1F3A4D35E}" dt="2024-12-28T08:21:07.238" v="555" actId="478"/>
-          <ac:picMkLst>
-            <pc:docMk/>
-            <pc:sldMk cId="1258869732" sldId="261"/>
-            <ac:picMk id="4" creationId="{B168AD77-46F2-3050-B707-AFFADC54BAFA}"/>
-          </ac:picMkLst>
-        </pc:picChg>
         <pc:picChg chg="add mod">
           <ac:chgData name="Ditte Filskov Theilgaard" userId="150196ba-3d64-4ece-aa51-395739ba31e6" providerId="ADAL" clId="{48EA6A21-7ABD-49ED-BFCC-67A1F3A4D35E}" dt="2024-12-28T08:21:09.261" v="557" actId="1076"/>
           <ac:picMkLst>
@@ -330,28 +593,12 @@
             <ac:picMk id="6" creationId="{CCA8071F-34FE-258D-5672-0A44C89F1DE5}"/>
           </ac:picMkLst>
         </pc:picChg>
-        <pc:picChg chg="add del mod">
-          <ac:chgData name="Ditte Filskov Theilgaard" userId="150196ba-3d64-4ece-aa51-395739ba31e6" providerId="ADAL" clId="{48EA6A21-7ABD-49ED-BFCC-67A1F3A4D35E}" dt="2024-12-28T08:29:47.428" v="563" actId="478"/>
-          <ac:picMkLst>
-            <pc:docMk/>
-            <pc:sldMk cId="1258869732" sldId="261"/>
-            <ac:picMk id="8" creationId="{85F141D7-54BC-6996-0C8E-A1E1C8051377}"/>
-          </ac:picMkLst>
-        </pc:picChg>
         <pc:picChg chg="add mod modCrop">
           <ac:chgData name="Ditte Filskov Theilgaard" userId="150196ba-3d64-4ece-aa51-395739ba31e6" providerId="ADAL" clId="{48EA6A21-7ABD-49ED-BFCC-67A1F3A4D35E}" dt="2024-12-28T08:33:48.244" v="598" actId="1076"/>
           <ac:picMkLst>
             <pc:docMk/>
             <pc:sldMk cId="1258869732" sldId="261"/>
             <ac:picMk id="10" creationId="{1255CB0D-7BF4-3ED3-FBCC-22243736F176}"/>
-          </ac:picMkLst>
-        </pc:picChg>
-        <pc:picChg chg="add mod">
-          <ac:chgData name="Ditte Filskov Theilgaard" userId="150196ba-3d64-4ece-aa51-395739ba31e6" providerId="ADAL" clId="{48EA6A21-7ABD-49ED-BFCC-67A1F3A4D35E}" dt="2024-12-28T08:33:53.447" v="601" actId="1076"/>
-          <ac:picMkLst>
-            <pc:docMk/>
-            <pc:sldMk cId="1258869732" sldId="261"/>
-            <ac:picMk id="14" creationId="{3A1E204C-1D2E-53D8-3FBD-1442D3BE2FB3}"/>
           </ac:picMkLst>
         </pc:picChg>
         <pc:cxnChg chg="add mod">
@@ -376,14 +623,6 @@
           <pc:docMk/>
           <pc:sldMk cId="2442301045" sldId="262"/>
         </pc:sldMkLst>
-        <pc:spChg chg="mod">
-          <ac:chgData name="Ditte Filskov Theilgaard" userId="150196ba-3d64-4ece-aa51-395739ba31e6" providerId="ADAL" clId="{48EA6A21-7ABD-49ED-BFCC-67A1F3A4D35E}" dt="2024-12-28T07:38:39.207" v="506" actId="20577"/>
-          <ac:spMkLst>
-            <pc:docMk/>
-            <pc:sldMk cId="2442301045" sldId="262"/>
-            <ac:spMk id="2" creationId="{1FD25614-47FC-70F2-C9DA-1A4DE494F316}"/>
-          </ac:spMkLst>
-        </pc:spChg>
       </pc:sldChg>
       <pc:sldChg chg="del">
         <pc:chgData name="Ditte Filskov Theilgaard" userId="150196ba-3d64-4ece-aa51-395739ba31e6" providerId="ADAL" clId="{48EA6A21-7ABD-49ED-BFCC-67A1F3A4D35E}" dt="2024-12-28T07:12:16.558" v="4" actId="47"/>
@@ -398,14 +637,6 @@
           <pc:docMk/>
           <pc:sldMk cId="696377888" sldId="263"/>
         </pc:sldMkLst>
-        <pc:picChg chg="add mod">
-          <ac:chgData name="Ditte Filskov Theilgaard" userId="150196ba-3d64-4ece-aa51-395739ba31e6" providerId="ADAL" clId="{48EA6A21-7ABD-49ED-BFCC-67A1F3A4D35E}" dt="2024-12-28T07:46:40.790" v="513" actId="1076"/>
-          <ac:picMkLst>
-            <pc:docMk/>
-            <pc:sldMk cId="696377888" sldId="263"/>
-            <ac:picMk id="3" creationId="{664EF1F4-AEFD-93C0-6851-645484C03474}"/>
-          </ac:picMkLst>
-        </pc:picChg>
       </pc:sldChg>
       <pc:sldChg chg="del">
         <pc:chgData name="Ditte Filskov Theilgaard" userId="150196ba-3d64-4ece-aa51-395739ba31e6" providerId="ADAL" clId="{48EA6A21-7ABD-49ED-BFCC-67A1F3A4D35E}" dt="2024-12-28T07:12:16.288" v="3" actId="47"/>
@@ -427,14 +658,6 @@
           <pc:docMk/>
           <pc:sldMk cId="668385850" sldId="264"/>
         </pc:sldMkLst>
-        <pc:picChg chg="add mod">
-          <ac:chgData name="Ditte Filskov Theilgaard" userId="150196ba-3d64-4ece-aa51-395739ba31e6" providerId="ADAL" clId="{48EA6A21-7ABD-49ED-BFCC-67A1F3A4D35E}" dt="2024-12-28T07:46:38.205" v="512" actId="1076"/>
-          <ac:picMkLst>
-            <pc:docMk/>
-            <pc:sldMk cId="668385850" sldId="264"/>
-            <ac:picMk id="3" creationId="{ADDCA23E-F948-6449-683C-ACD0BDCCEC48}"/>
-          </ac:picMkLst>
-        </pc:picChg>
       </pc:sldChg>
       <pc:sldChg chg="del">
         <pc:chgData name="Ditte Filskov Theilgaard" userId="150196ba-3d64-4ece-aa51-395739ba31e6" providerId="ADAL" clId="{48EA6A21-7ABD-49ED-BFCC-67A1F3A4D35E}" dt="2024-12-28T07:12:15.782" v="1" actId="47"/>
@@ -449,14 +672,6 @@
           <pc:docMk/>
           <pc:sldMk cId="3278048591" sldId="265"/>
         </pc:sldMkLst>
-        <pc:picChg chg="add mod">
-          <ac:chgData name="Ditte Filskov Theilgaard" userId="150196ba-3d64-4ece-aa51-395739ba31e6" providerId="ADAL" clId="{48EA6A21-7ABD-49ED-BFCC-67A1F3A4D35E}" dt="2024-12-28T07:50:15.452" v="516" actId="1076"/>
-          <ac:picMkLst>
-            <pc:docMk/>
-            <pc:sldMk cId="3278048591" sldId="265"/>
-            <ac:picMk id="3" creationId="{8DE098D0-2B8A-7C8A-5B18-3C1159DE1BEC}"/>
-          </ac:picMkLst>
-        </pc:picChg>
       </pc:sldChg>
       <pc:sldChg chg="del">
         <pc:chgData name="Ditte Filskov Theilgaard" userId="150196ba-3d64-4ece-aa51-395739ba31e6" providerId="ADAL" clId="{48EA6A21-7ABD-49ED-BFCC-67A1F3A4D35E}" dt="2024-12-28T07:12:16.068" v="2" actId="47"/>
@@ -471,22 +686,6 @@
           <pc:docMk/>
           <pc:sldMk cId="865796401" sldId="266"/>
         </pc:sldMkLst>
-        <pc:spChg chg="del">
-          <ac:chgData name="Ditte Filskov Theilgaard" userId="150196ba-3d64-4ece-aa51-395739ba31e6" providerId="ADAL" clId="{48EA6A21-7ABD-49ED-BFCC-67A1F3A4D35E}" dt="2024-12-28T07:50:43.485" v="521" actId="478"/>
-          <ac:spMkLst>
-            <pc:docMk/>
-            <pc:sldMk cId="865796401" sldId="266"/>
-            <ac:spMk id="2" creationId="{8363A1F6-845B-A782-B463-77E49869C223}"/>
-          </ac:spMkLst>
-        </pc:spChg>
-        <pc:picChg chg="add del mod">
-          <ac:chgData name="Ditte Filskov Theilgaard" userId="150196ba-3d64-4ece-aa51-395739ba31e6" providerId="ADAL" clId="{48EA6A21-7ABD-49ED-BFCC-67A1F3A4D35E}" dt="2024-12-28T08:40:17.231" v="602" actId="478"/>
-          <ac:picMkLst>
-            <pc:docMk/>
-            <pc:sldMk cId="865796401" sldId="266"/>
-            <ac:picMk id="4" creationId="{920E63BE-94A8-B0AC-C21F-18A6B786EB6D}"/>
-          </ac:picMkLst>
-        </pc:picChg>
         <pc:picChg chg="add mod">
           <ac:chgData name="Ditte Filskov Theilgaard" userId="150196ba-3d64-4ece-aa51-395739ba31e6" providerId="ADAL" clId="{48EA6A21-7ABD-49ED-BFCC-67A1F3A4D35E}" dt="2024-12-28T08:47:59.236" v="605" actId="14100"/>
           <ac:picMkLst>
@@ -591,14 +790,6 @@
           <pc:docMk/>
           <pc:sldMk cId="1479218624" sldId="272"/>
         </pc:sldMkLst>
-        <pc:picChg chg="add">
-          <ac:chgData name="Ditte Filskov Theilgaard" userId="150196ba-3d64-4ece-aa51-395739ba31e6" providerId="ADAL" clId="{48EA6A21-7ABD-49ED-BFCC-67A1F3A4D35E}" dt="2024-12-28T07:55:06.639" v="546" actId="22"/>
-          <ac:picMkLst>
-            <pc:docMk/>
-            <pc:sldMk cId="1479218624" sldId="272"/>
-            <ac:picMk id="3" creationId="{807723A9-CD50-3B5F-2522-4332D84622A5}"/>
-          </ac:picMkLst>
-        </pc:picChg>
       </pc:sldChg>
       <pc:sldChg chg="addSp new mod">
         <pc:chgData name="Ditte Filskov Theilgaard" userId="150196ba-3d64-4ece-aa51-395739ba31e6" providerId="ADAL" clId="{48EA6A21-7ABD-49ED-BFCC-67A1F3A4D35E}" dt="2024-12-28T07:54:46.464" v="543" actId="22"/>
@@ -606,14 +797,6 @@
           <pc:docMk/>
           <pc:sldMk cId="1363849492" sldId="273"/>
         </pc:sldMkLst>
-        <pc:picChg chg="add">
-          <ac:chgData name="Ditte Filskov Theilgaard" userId="150196ba-3d64-4ece-aa51-395739ba31e6" providerId="ADAL" clId="{48EA6A21-7ABD-49ED-BFCC-67A1F3A4D35E}" dt="2024-12-28T07:54:46.464" v="543" actId="22"/>
-          <ac:picMkLst>
-            <pc:docMk/>
-            <pc:sldMk cId="1363849492" sldId="273"/>
-            <ac:picMk id="3" creationId="{48672EA2-5F8D-93FD-53EA-B91E1AA31093}"/>
-          </ac:picMkLst>
-        </pc:picChg>
       </pc:sldChg>
       <pc:sldChg chg="new del">
         <pc:chgData name="Ditte Filskov Theilgaard" userId="150196ba-3d64-4ece-aa51-395739ba31e6" providerId="ADAL" clId="{48EA6A21-7ABD-49ED-BFCC-67A1F3A4D35E}" dt="2024-12-28T07:55:07.969" v="547" actId="47"/>
@@ -632,6 +815,196 @@
     </pc:docChg>
   </pc:docChgLst>
 </pc:chgInfo>
+</file>
+
+<file path=ppt/handoutMasters/handoutMaster1.xml><?xml version="1.0" encoding="utf-8"?>
+<p:handoutMaster xmlns:a="http://schemas.openxmlformats.org/drawingml/2006/main" xmlns:r="http://schemas.openxmlformats.org/officeDocument/2006/relationships" xmlns:p="http://schemas.openxmlformats.org/presentationml/2006/main">
+  <p:cSld>
+    <p:bg>
+      <p:bgRef idx="1001">
+        <a:schemeClr val="bg1"/>
+      </p:bgRef>
+    </p:bg>
+    <p:spTree>
+      <p:nvGrpSpPr>
+        <p:cNvPr id="1" name=""/>
+        <p:cNvGrpSpPr/>
+        <p:nvPr/>
+      </p:nvGrpSpPr>
+      <p:grpSpPr>
+        <a:xfrm>
+          <a:off x="0" y="0"/>
+          <a:ext cx="0" cy="0"/>
+          <a:chOff x="0" y="0"/>
+          <a:chExt cx="0" cy="0"/>
+        </a:xfrm>
+      </p:grpSpPr>
+      <p:sp>
+        <p:nvSpPr>
+          <p:cNvPr id="2" name="Header Placeholder 1">
+            <a:extLst>
+              <a:ext uri="{FF2B5EF4-FFF2-40B4-BE49-F238E27FC236}">
+                <a16:creationId xmlns:a16="http://schemas.microsoft.com/office/drawing/2014/main" id="{22A323A4-1E6D-8B63-DD36-0226D6FE2B0D}"/>
+              </a:ext>
+            </a:extLst>
+          </p:cNvPr>
+          <p:cNvSpPr>
+            <a:spLocks noGrp="1"/>
+          </p:cNvSpPr>
+          <p:nvPr>
+            <p:ph type="hdr" sz="quarter"/>
+          </p:nvPr>
+        </p:nvSpPr>
+        <p:spPr>
+          <a:xfrm>
+            <a:off x="0" y="0"/>
+            <a:ext cx="2971800" cy="458788"/>
+          </a:xfrm>
+          <a:prstGeom prst="rect">
+            <a:avLst/>
+          </a:prstGeom>
+        </p:spPr>
+        <p:txBody>
+          <a:bodyPr vert="horz" lIns="91440" tIns="45720" rIns="91440" bIns="45720" rtlCol="0"/>
+          <a:lstStyle>
+            <a:lvl1pPr algn="l">
+              <a:defRPr sz="1200"/>
+            </a:lvl1pPr>
+          </a:lstStyle>
+          <a:p>
+            <a:endParaRPr lang="en-US"/>
+          </a:p>
+        </p:txBody>
+      </p:sp>
+      <p:sp>
+        <p:nvSpPr>
+          <p:cNvPr id="3" name="Date Placeholder 2">
+            <a:extLst>
+              <a:ext uri="{FF2B5EF4-FFF2-40B4-BE49-F238E27FC236}">
+                <a16:creationId xmlns:a16="http://schemas.microsoft.com/office/drawing/2014/main" id="{B21967AE-B3F5-8D24-03ED-3E60EBA2CCC1}"/>
+              </a:ext>
+            </a:extLst>
+          </p:cNvPr>
+          <p:cNvSpPr>
+            <a:spLocks noGrp="1"/>
+          </p:cNvSpPr>
+          <p:nvPr>
+            <p:ph type="dt" sz="quarter" idx="1"/>
+          </p:nvPr>
+        </p:nvSpPr>
+        <p:spPr>
+          <a:xfrm>
+            <a:off x="3884613" y="0"/>
+            <a:ext cx="2971800" cy="458788"/>
+          </a:xfrm>
+          <a:prstGeom prst="rect">
+            <a:avLst/>
+          </a:prstGeom>
+        </p:spPr>
+        <p:txBody>
+          <a:bodyPr vert="horz" lIns="91440" tIns="45720" rIns="91440" bIns="45720" rtlCol="0"/>
+          <a:lstStyle>
+            <a:lvl1pPr algn="r">
+              <a:defRPr sz="1200"/>
+            </a:lvl1pPr>
+          </a:lstStyle>
+          <a:p>
+            <a:fld id="{1CE8BBDA-49A4-49FC-AC55-9170F92B909A}" type="datetimeFigureOut">
+              <a:rPr lang="en-US" smtClean="0"/>
+              <a:t>1/15/2025</a:t>
+            </a:fld>
+            <a:endParaRPr lang="en-US"/>
+          </a:p>
+        </p:txBody>
+      </p:sp>
+      <p:sp>
+        <p:nvSpPr>
+          <p:cNvPr id="4" name="Footer Placeholder 3">
+            <a:extLst>
+              <a:ext uri="{FF2B5EF4-FFF2-40B4-BE49-F238E27FC236}">
+                <a16:creationId xmlns:a16="http://schemas.microsoft.com/office/drawing/2014/main" id="{D5BA2BC2-7023-798B-DA54-8C679AFD6A36}"/>
+              </a:ext>
+            </a:extLst>
+          </p:cNvPr>
+          <p:cNvSpPr>
+            <a:spLocks noGrp="1"/>
+          </p:cNvSpPr>
+          <p:nvPr>
+            <p:ph type="ftr" sz="quarter" idx="2"/>
+          </p:nvPr>
+        </p:nvSpPr>
+        <p:spPr>
+          <a:xfrm>
+            <a:off x="0" y="8685213"/>
+            <a:ext cx="2971800" cy="458787"/>
+          </a:xfrm>
+          <a:prstGeom prst="rect">
+            <a:avLst/>
+          </a:prstGeom>
+        </p:spPr>
+        <p:txBody>
+          <a:bodyPr vert="horz" lIns="91440" tIns="45720" rIns="91440" bIns="45720" rtlCol="0" anchor="b"/>
+          <a:lstStyle>
+            <a:lvl1pPr algn="l">
+              <a:defRPr sz="1200"/>
+            </a:lvl1pPr>
+          </a:lstStyle>
+          <a:p>
+            <a:endParaRPr lang="en-US"/>
+          </a:p>
+        </p:txBody>
+      </p:sp>
+      <p:sp>
+        <p:nvSpPr>
+          <p:cNvPr id="5" name="Slide Number Placeholder 4">
+            <a:extLst>
+              <a:ext uri="{FF2B5EF4-FFF2-40B4-BE49-F238E27FC236}">
+                <a16:creationId xmlns:a16="http://schemas.microsoft.com/office/drawing/2014/main" id="{AAC3C5EE-E9BE-4B1D-0B5E-1910041F0CCA}"/>
+              </a:ext>
+            </a:extLst>
+          </p:cNvPr>
+          <p:cNvSpPr>
+            <a:spLocks noGrp="1"/>
+          </p:cNvSpPr>
+          <p:nvPr>
+            <p:ph type="sldNum" sz="quarter" idx="3"/>
+          </p:nvPr>
+        </p:nvSpPr>
+        <p:spPr>
+          <a:xfrm>
+            <a:off x="3884613" y="8685213"/>
+            <a:ext cx="2971800" cy="458787"/>
+          </a:xfrm>
+          <a:prstGeom prst="rect">
+            <a:avLst/>
+          </a:prstGeom>
+        </p:spPr>
+        <p:txBody>
+          <a:bodyPr vert="horz" lIns="91440" tIns="45720" rIns="91440" bIns="45720" rtlCol="0" anchor="b"/>
+          <a:lstStyle>
+            <a:lvl1pPr algn="r">
+              <a:defRPr sz="1200"/>
+            </a:lvl1pPr>
+          </a:lstStyle>
+          <a:p>
+            <a:fld id="{E1785F26-506F-4A61-887B-AD0F48224A6F}" type="slidenum">
+              <a:rPr lang="en-US" smtClean="0"/>
+              <a:t>‹#›</a:t>
+            </a:fld>
+            <a:endParaRPr lang="en-US"/>
+          </a:p>
+        </p:txBody>
+      </p:sp>
+    </p:spTree>
+    <p:extLst>
+      <p:ext uri="{BB962C8B-B14F-4D97-AF65-F5344CB8AC3E}">
+        <p14:creationId xmlns:p14="http://schemas.microsoft.com/office/powerpoint/2010/main" val="1739669351"/>
+      </p:ext>
+    </p:extLst>
+  </p:cSld>
+  <p:clrMap bg1="lt1" tx1="dk1" bg2="lt2" tx2="dk2" accent1="accent1" accent2="accent2" accent3="accent3" accent4="accent4" accent5="accent5" accent6="accent6" hlink="hlink" folHlink="folHlink"/>
+  <p:hf sldNum="0" hdr="0" ftr="0" dt="0"/>
+</p:handoutMaster>
 </file>
 
 <file path=ppt/notesMasters/notesMaster1.xml><?xml version="1.0" encoding="utf-8"?>
@@ -716,7 +1089,7 @@
           <a:p>
             <a:fld id="{237DF243-990D-452E-B2F0-0A24C40DD102}" type="datetimeFigureOut">
               <a:rPr lang="en-US" smtClean="0"/>
-              <a:t>12/27/2024</a:t>
+              <a:t>1/15/2025</a:t>
             </a:fld>
             <a:endParaRPr lang="en-US"/>
           </a:p>
@@ -888,6 +1261,7 @@
     </p:extLst>
   </p:cSld>
   <p:clrMap bg1="lt1" tx1="dk1" bg2="lt2" tx2="dk2" accent1="accent1" accent2="accent2" accent3="accent3" accent4="accent4" accent5="accent5" accent6="accent6" hlink="hlink" folHlink="folHlink"/>
+  <p:hf sldNum="0" hdr="0" ftr="0" dt="0"/>
   <p:notesStyle>
     <a:lvl1pPr marL="0" algn="l" defTabSz="914400" rtl="0" eaLnBrk="1" latinLnBrk="0" hangingPunct="1">
       <a:defRPr sz="1200" kern="1200">
@@ -1128,9 +1502,9 @@
           <a:bodyPr/>
           <a:lstStyle/>
           <a:p>
-            <a:fld id="{9CB904D7-2B70-4964-9B23-4E5B349F082D}" type="datetimeFigureOut">
+            <a:fld id="{572E640B-75F9-4B01-8B57-23E1DE60A5AA}" type="datetime1">
               <a:rPr lang="en-US" smtClean="0"/>
-              <a:t>12/27/2024</a:t>
+              <a:t>1/15/2025</a:t>
             </a:fld>
             <a:endParaRPr lang="en-US"/>
           </a:p>
@@ -1333,9 +1707,9 @@
           <a:bodyPr/>
           <a:lstStyle/>
           <a:p>
-            <a:fld id="{9CB904D7-2B70-4964-9B23-4E5B349F082D}" type="datetimeFigureOut">
+            <a:fld id="{087CA290-3FAD-4B22-8DA3-7C6087B9338C}" type="datetime1">
               <a:rPr lang="en-US" smtClean="0"/>
-              <a:t>12/27/2024</a:t>
+              <a:t>1/15/2025</a:t>
             </a:fld>
             <a:endParaRPr lang="en-US"/>
           </a:p>
@@ -1608,9 +1982,9 @@
           <a:bodyPr/>
           <a:lstStyle/>
           <a:p>
-            <a:fld id="{9CB904D7-2B70-4964-9B23-4E5B349F082D}" type="datetimeFigureOut">
+            <a:fld id="{4A837596-20BB-47D2-BE9F-E5E20B142954}" type="datetime1">
               <a:rPr lang="en-US" smtClean="0"/>
-              <a:t>12/27/2024</a:t>
+              <a:t>1/15/2025</a:t>
             </a:fld>
             <a:endParaRPr lang="en-US"/>
           </a:p>
@@ -1873,9 +2247,9 @@
           <a:bodyPr/>
           <a:lstStyle/>
           <a:p>
-            <a:fld id="{9CB904D7-2B70-4964-9B23-4E5B349F082D}" type="datetimeFigureOut">
+            <a:fld id="{F487C620-BA86-47A1-91AA-9488937186B7}" type="datetime1">
               <a:rPr lang="en-US" smtClean="0"/>
-              <a:t>12/27/2024</a:t>
+              <a:t>1/15/2025</a:t>
             </a:fld>
             <a:endParaRPr lang="en-US"/>
           </a:p>
@@ -2285,9 +2659,9 @@
           <a:bodyPr/>
           <a:lstStyle/>
           <a:p>
-            <a:fld id="{9CB904D7-2B70-4964-9B23-4E5B349F082D}" type="datetimeFigureOut">
+            <a:fld id="{946FD451-E567-4827-9C0A-CE2D19AC27C7}" type="datetime1">
               <a:rPr lang="en-US" smtClean="0"/>
-              <a:t>12/27/2024</a:t>
+              <a:t>1/15/2025</a:t>
             </a:fld>
             <a:endParaRPr lang="en-US"/>
           </a:p>
@@ -2426,9 +2800,9 @@
           <a:bodyPr/>
           <a:lstStyle/>
           <a:p>
-            <a:fld id="{9CB904D7-2B70-4964-9B23-4E5B349F082D}" type="datetimeFigureOut">
+            <a:fld id="{B587CF6C-0661-4813-80EB-2A7D08B78211}" type="datetime1">
               <a:rPr lang="en-US" smtClean="0"/>
-              <a:t>12/27/2024</a:t>
+              <a:t>1/15/2025</a:t>
             </a:fld>
             <a:endParaRPr lang="en-US"/>
           </a:p>
@@ -2539,9 +2913,9 @@
           <a:bodyPr/>
           <a:lstStyle/>
           <a:p>
-            <a:fld id="{9CB904D7-2B70-4964-9B23-4E5B349F082D}" type="datetimeFigureOut">
+            <a:fld id="{D8087FE9-5E2D-4C2D-9BA8-89A51890083B}" type="datetime1">
               <a:rPr lang="en-US" smtClean="0"/>
-              <a:t>12/27/2024</a:t>
+              <a:t>1/15/2025</a:t>
             </a:fld>
             <a:endParaRPr lang="en-US"/>
           </a:p>
@@ -2780,9 +3154,9 @@
             </a:lvl1pPr>
           </a:lstStyle>
           <a:p>
-            <a:fld id="{9CB904D7-2B70-4964-9B23-4E5B349F082D}" type="datetimeFigureOut">
+            <a:fld id="{78F9D57A-3EDE-4042-9439-8B9BA99FA5E7}" type="datetime1">
               <a:rPr lang="en-US" smtClean="0"/>
-              <a:t>12/27/2024</a:t>
+              <a:t>1/15/2025</a:t>
             </a:fld>
             <a:endParaRPr lang="en-US"/>
           </a:p>
@@ -2895,6 +3269,7 @@
     <p:sldLayoutId id="2147483654" r:id="rId6"/>
     <p:sldLayoutId id="2147483655" r:id="rId7"/>
   </p:sldLayoutIdLst>
+  <p:hf hdr="0" ftr="0" dt="0"/>
   <p:txStyles>
     <p:titleStyle>
       <a:lvl1pPr algn="l" defTabSz="914400" rtl="0" eaLnBrk="1" latinLnBrk="0" hangingPunct="1">
@@ -3617,7 +3992,7 @@
           <p:cNvPr id="3" name="Picture 2">
             <a:extLst>
               <a:ext uri="{FF2B5EF4-FFF2-40B4-BE49-F238E27FC236}">
-                <a16:creationId xmlns:a16="http://schemas.microsoft.com/office/drawing/2014/main" id="{CD2AA825-B1B1-EB4E-277D-20927576E80B}"/>
+                <a16:creationId xmlns:a16="http://schemas.microsoft.com/office/drawing/2014/main" id="{3D782BCD-F194-999F-E9D9-4489532CFF00}"/>
               </a:ext>
             </a:extLst>
           </p:cNvPr>
@@ -3634,18 +4009,47 @@
         </p:blipFill>
         <p:spPr>
           <a:xfrm>
-            <a:off x="3054193" y="1142882"/>
-            <a:ext cx="6083613" cy="4572235"/>
+            <a:off x="1528656" y="0"/>
+            <a:ext cx="9134688" cy="6858000"/>
           </a:xfrm>
           <a:prstGeom prst="rect">
             <a:avLst/>
           </a:prstGeom>
         </p:spPr>
       </p:pic>
+      <p:sp>
+        <p:nvSpPr>
+          <p:cNvPr id="5" name="Slide Number Placeholder 4">
+            <a:extLst>
+              <a:ext uri="{FF2B5EF4-FFF2-40B4-BE49-F238E27FC236}">
+                <a16:creationId xmlns:a16="http://schemas.microsoft.com/office/drawing/2014/main" id="{AFCE5037-F3DA-E4DB-72F0-018780EF5EEC}"/>
+              </a:ext>
+            </a:extLst>
+          </p:cNvPr>
+          <p:cNvSpPr>
+            <a:spLocks noGrp="1"/>
+          </p:cNvSpPr>
+          <p:nvPr>
+            <p:ph type="sldNum" sz="quarter" idx="12"/>
+          </p:nvPr>
+        </p:nvSpPr>
+        <p:spPr/>
+        <p:txBody>
+          <a:bodyPr/>
+          <a:lstStyle/>
+          <a:p>
+            <a:fld id="{4B04BC67-DFA6-4863-89DB-B4077B3FACAF}" type="slidenum">
+              <a:rPr lang="en-US" smtClean="0"/>
+              <a:t>10</a:t>
+            </a:fld>
+            <a:endParaRPr lang="en-US"/>
+          </a:p>
+        </p:txBody>
+      </p:sp>
     </p:spTree>
     <p:extLst>
       <p:ext uri="{BB962C8B-B14F-4D97-AF65-F5344CB8AC3E}">
-        <p14:creationId xmlns:p14="http://schemas.microsoft.com/office/powerpoint/2010/main" val="2962802970"/>
+        <p14:creationId xmlns:p14="http://schemas.microsoft.com/office/powerpoint/2010/main" val="2738329338"/>
       </p:ext>
     </p:extLst>
   </p:cSld>
@@ -3677,7 +4081,7 @@
           <p:cNvPr id="3" name="Picture 2">
             <a:extLst>
               <a:ext uri="{FF2B5EF4-FFF2-40B4-BE49-F238E27FC236}">
-                <a16:creationId xmlns:a16="http://schemas.microsoft.com/office/drawing/2014/main" id="{613889C7-1D04-53BE-6D97-B5811EA7C184}"/>
+                <a16:creationId xmlns:a16="http://schemas.microsoft.com/office/drawing/2014/main" id="{5E9FEC90-3E24-A755-337A-F7C9C018EE5B}"/>
               </a:ext>
             </a:extLst>
           </p:cNvPr>
@@ -3694,18 +4098,47 @@
         </p:blipFill>
         <p:spPr>
           <a:xfrm>
-            <a:off x="3054193" y="1142882"/>
-            <a:ext cx="6083613" cy="4572235"/>
+            <a:off x="0" y="1"/>
+            <a:ext cx="9124950" cy="6858000"/>
           </a:xfrm>
           <a:prstGeom prst="rect">
             <a:avLst/>
           </a:prstGeom>
         </p:spPr>
       </p:pic>
+      <p:sp>
+        <p:nvSpPr>
+          <p:cNvPr id="5" name="Slide Number Placeholder 4">
+            <a:extLst>
+              <a:ext uri="{FF2B5EF4-FFF2-40B4-BE49-F238E27FC236}">
+                <a16:creationId xmlns:a16="http://schemas.microsoft.com/office/drawing/2014/main" id="{EB0000CD-8018-8225-E4FF-E145173B8009}"/>
+              </a:ext>
+            </a:extLst>
+          </p:cNvPr>
+          <p:cNvSpPr>
+            <a:spLocks noGrp="1"/>
+          </p:cNvSpPr>
+          <p:nvPr>
+            <p:ph type="sldNum" sz="quarter" idx="12"/>
+          </p:nvPr>
+        </p:nvSpPr>
+        <p:spPr/>
+        <p:txBody>
+          <a:bodyPr/>
+          <a:lstStyle/>
+          <a:p>
+            <a:fld id="{4B04BC67-DFA6-4863-89DB-B4077B3FACAF}" type="slidenum">
+              <a:rPr lang="en-US" smtClean="0"/>
+              <a:t>11</a:t>
+            </a:fld>
+            <a:endParaRPr lang="en-US"/>
+          </a:p>
+        </p:txBody>
+      </p:sp>
     </p:spTree>
     <p:extLst>
       <p:ext uri="{BB962C8B-B14F-4D97-AF65-F5344CB8AC3E}">
-        <p14:creationId xmlns:p14="http://schemas.microsoft.com/office/powerpoint/2010/main" val="3927298100"/>
+        <p14:creationId xmlns:p14="http://schemas.microsoft.com/office/powerpoint/2010/main" val="125125940"/>
       </p:ext>
     </p:extLst>
   </p:cSld>
@@ -3737,7 +4170,7 @@
           <p:cNvPr id="3" name="Picture 2">
             <a:extLst>
               <a:ext uri="{FF2B5EF4-FFF2-40B4-BE49-F238E27FC236}">
-                <a16:creationId xmlns:a16="http://schemas.microsoft.com/office/drawing/2014/main" id="{077B40E9-B5E8-6F69-33DB-922461C0B27E}"/>
+                <a16:creationId xmlns:a16="http://schemas.microsoft.com/office/drawing/2014/main" id="{CD2AA825-B1B1-EB4E-277D-20927576E80B}"/>
               </a:ext>
             </a:extLst>
           </p:cNvPr>
@@ -3754,18 +4187,47 @@
         </p:blipFill>
         <p:spPr>
           <a:xfrm>
-            <a:off x="3054193" y="1142882"/>
-            <a:ext cx="6083613" cy="4572235"/>
+            <a:off x="1974040" y="331075"/>
+            <a:ext cx="8243920" cy="6195850"/>
           </a:xfrm>
           <a:prstGeom prst="rect">
             <a:avLst/>
           </a:prstGeom>
         </p:spPr>
       </p:pic>
+      <p:sp>
+        <p:nvSpPr>
+          <p:cNvPr id="5" name="Slide Number Placeholder 4">
+            <a:extLst>
+              <a:ext uri="{FF2B5EF4-FFF2-40B4-BE49-F238E27FC236}">
+                <a16:creationId xmlns:a16="http://schemas.microsoft.com/office/drawing/2014/main" id="{3A34079F-33AD-E123-02D5-6132B1D9B7D8}"/>
+              </a:ext>
+            </a:extLst>
+          </p:cNvPr>
+          <p:cNvSpPr>
+            <a:spLocks noGrp="1"/>
+          </p:cNvSpPr>
+          <p:nvPr>
+            <p:ph type="sldNum" sz="quarter" idx="12"/>
+          </p:nvPr>
+        </p:nvSpPr>
+        <p:spPr/>
+        <p:txBody>
+          <a:bodyPr/>
+          <a:lstStyle/>
+          <a:p>
+            <a:fld id="{4B04BC67-DFA6-4863-89DB-B4077B3FACAF}" type="slidenum">
+              <a:rPr lang="en-US" smtClean="0"/>
+              <a:t>12</a:t>
+            </a:fld>
+            <a:endParaRPr lang="en-US"/>
+          </a:p>
+        </p:txBody>
+      </p:sp>
     </p:spTree>
     <p:extLst>
       <p:ext uri="{BB962C8B-B14F-4D97-AF65-F5344CB8AC3E}">
-        <p14:creationId xmlns:p14="http://schemas.microsoft.com/office/powerpoint/2010/main" val="1366387822"/>
+        <p14:creationId xmlns:p14="http://schemas.microsoft.com/office/powerpoint/2010/main" val="2962802970"/>
       </p:ext>
     </p:extLst>
   </p:cSld>
@@ -3797,7 +4259,7 @@
           <p:cNvPr id="3" name="Picture 2">
             <a:extLst>
               <a:ext uri="{FF2B5EF4-FFF2-40B4-BE49-F238E27FC236}">
-                <a16:creationId xmlns:a16="http://schemas.microsoft.com/office/drawing/2014/main" id="{807723A9-CD50-3B5F-2522-4332D84622A5}"/>
+                <a16:creationId xmlns:a16="http://schemas.microsoft.com/office/drawing/2014/main" id="{613889C7-1D04-53BE-6D97-B5811EA7C184}"/>
               </a:ext>
             </a:extLst>
           </p:cNvPr>
@@ -3814,18 +4276,47 @@
         </p:blipFill>
         <p:spPr>
           <a:xfrm>
-            <a:off x="3054193" y="1142882"/>
-            <a:ext cx="6083613" cy="4572235"/>
+            <a:off x="2376796" y="633773"/>
+            <a:ext cx="7438408" cy="5590454"/>
           </a:xfrm>
           <a:prstGeom prst="rect">
             <a:avLst/>
           </a:prstGeom>
         </p:spPr>
       </p:pic>
+      <p:sp>
+        <p:nvSpPr>
+          <p:cNvPr id="5" name="Slide Number Placeholder 4">
+            <a:extLst>
+              <a:ext uri="{FF2B5EF4-FFF2-40B4-BE49-F238E27FC236}">
+                <a16:creationId xmlns:a16="http://schemas.microsoft.com/office/drawing/2014/main" id="{20B56ED2-ABA6-89D3-9E8B-C7D9E88EEF7E}"/>
+              </a:ext>
+            </a:extLst>
+          </p:cNvPr>
+          <p:cNvSpPr>
+            <a:spLocks noGrp="1"/>
+          </p:cNvSpPr>
+          <p:nvPr>
+            <p:ph type="sldNum" sz="quarter" idx="12"/>
+          </p:nvPr>
+        </p:nvSpPr>
+        <p:spPr/>
+        <p:txBody>
+          <a:bodyPr/>
+          <a:lstStyle/>
+          <a:p>
+            <a:fld id="{4B04BC67-DFA6-4863-89DB-B4077B3FACAF}" type="slidenum">
+              <a:rPr lang="en-US" smtClean="0"/>
+              <a:t>13</a:t>
+            </a:fld>
+            <a:endParaRPr lang="en-US"/>
+          </a:p>
+        </p:txBody>
+      </p:sp>
     </p:spTree>
     <p:extLst>
       <p:ext uri="{BB962C8B-B14F-4D97-AF65-F5344CB8AC3E}">
-        <p14:creationId xmlns:p14="http://schemas.microsoft.com/office/powerpoint/2010/main" val="1479218624"/>
+        <p14:creationId xmlns:p14="http://schemas.microsoft.com/office/powerpoint/2010/main" val="3927298100"/>
       </p:ext>
     </p:extLst>
   </p:cSld>
@@ -3857,7 +4348,7 @@
           <p:cNvPr id="3" name="Picture 2">
             <a:extLst>
               <a:ext uri="{FF2B5EF4-FFF2-40B4-BE49-F238E27FC236}">
-                <a16:creationId xmlns:a16="http://schemas.microsoft.com/office/drawing/2014/main" id="{48672EA2-5F8D-93FD-53EA-B91E1AA31093}"/>
+                <a16:creationId xmlns:a16="http://schemas.microsoft.com/office/drawing/2014/main" id="{077B40E9-B5E8-6F69-33DB-922461C0B27E}"/>
               </a:ext>
             </a:extLst>
           </p:cNvPr>
@@ -3874,8 +4365,244 @@
         </p:blipFill>
         <p:spPr>
           <a:xfrm>
-            <a:off x="3054193" y="1142882"/>
-            <a:ext cx="6083613" cy="4572235"/>
+            <a:off x="2133464" y="450893"/>
+            <a:ext cx="7925072" cy="5956214"/>
+          </a:xfrm>
+          <a:prstGeom prst="rect">
+            <a:avLst/>
+          </a:prstGeom>
+        </p:spPr>
+      </p:pic>
+      <p:sp>
+        <p:nvSpPr>
+          <p:cNvPr id="5" name="Slide Number Placeholder 4">
+            <a:extLst>
+              <a:ext uri="{FF2B5EF4-FFF2-40B4-BE49-F238E27FC236}">
+                <a16:creationId xmlns:a16="http://schemas.microsoft.com/office/drawing/2014/main" id="{F7D5DD1B-1114-868B-DD6F-71BFBAFFB02D}"/>
+              </a:ext>
+            </a:extLst>
+          </p:cNvPr>
+          <p:cNvSpPr>
+            <a:spLocks noGrp="1"/>
+          </p:cNvSpPr>
+          <p:nvPr>
+            <p:ph type="sldNum" sz="quarter" idx="12"/>
+          </p:nvPr>
+        </p:nvSpPr>
+        <p:spPr/>
+        <p:txBody>
+          <a:bodyPr/>
+          <a:lstStyle/>
+          <a:p>
+            <a:fld id="{4B04BC67-DFA6-4863-89DB-B4077B3FACAF}" type="slidenum">
+              <a:rPr lang="en-US" smtClean="0"/>
+              <a:t>14</a:t>
+            </a:fld>
+            <a:endParaRPr lang="en-US"/>
+          </a:p>
+        </p:txBody>
+      </p:sp>
+    </p:spTree>
+    <p:extLst>
+      <p:ext uri="{BB962C8B-B14F-4D97-AF65-F5344CB8AC3E}">
+        <p14:creationId xmlns:p14="http://schemas.microsoft.com/office/powerpoint/2010/main" val="1366387822"/>
+      </p:ext>
+    </p:extLst>
+  </p:cSld>
+  <p:clrMapOvr>
+    <a:masterClrMapping/>
+  </p:clrMapOvr>
+</p:sld>
+</file>
+
+<file path=ppt/slides/slide15.xml><?xml version="1.0" encoding="utf-8"?>
+<p:sld xmlns:a="http://schemas.openxmlformats.org/drawingml/2006/main" xmlns:r="http://schemas.openxmlformats.org/officeDocument/2006/relationships" xmlns:p="http://schemas.openxmlformats.org/presentationml/2006/main">
+  <p:cSld>
+    <p:spTree>
+      <p:nvGrpSpPr>
+        <p:cNvPr id="1" name=""/>
+        <p:cNvGrpSpPr/>
+        <p:nvPr/>
+      </p:nvGrpSpPr>
+      <p:grpSpPr>
+        <a:xfrm>
+          <a:off x="0" y="0"/>
+          <a:ext cx="0" cy="0"/>
+          <a:chOff x="0" y="0"/>
+          <a:chExt cx="0" cy="0"/>
+        </a:xfrm>
+      </p:grpSpPr>
+      <p:sp>
+        <p:nvSpPr>
+          <p:cNvPr id="5" name="Slide Number Placeholder 4">
+            <a:extLst>
+              <a:ext uri="{FF2B5EF4-FFF2-40B4-BE49-F238E27FC236}">
+                <a16:creationId xmlns:a16="http://schemas.microsoft.com/office/drawing/2014/main" id="{28A357DC-EE9D-09E7-83D6-6927473E142B}"/>
+              </a:ext>
+            </a:extLst>
+          </p:cNvPr>
+          <p:cNvSpPr>
+            <a:spLocks noGrp="1"/>
+          </p:cNvSpPr>
+          <p:nvPr>
+            <p:ph type="sldNum" sz="quarter" idx="12"/>
+          </p:nvPr>
+        </p:nvSpPr>
+        <p:spPr/>
+        <p:txBody>
+          <a:bodyPr/>
+          <a:lstStyle/>
+          <a:p>
+            <a:fld id="{4B04BC67-DFA6-4863-89DB-B4077B3FACAF}" type="slidenum">
+              <a:rPr lang="en-US" smtClean="0"/>
+              <a:t>15</a:t>
+            </a:fld>
+            <a:endParaRPr lang="en-US"/>
+          </a:p>
+        </p:txBody>
+      </p:sp>
+      <p:pic>
+        <p:nvPicPr>
+          <p:cNvPr id="10" name="Picture 9">
+            <a:extLst>
+              <a:ext uri="{FF2B5EF4-FFF2-40B4-BE49-F238E27FC236}">
+                <a16:creationId xmlns:a16="http://schemas.microsoft.com/office/drawing/2014/main" id="{1C7E2810-A129-8D38-3381-72BF25E43937}"/>
+              </a:ext>
+            </a:extLst>
+          </p:cNvPr>
+          <p:cNvPicPr>
+            <a:picLocks noChangeAspect="1"/>
+          </p:cNvPicPr>
+          <p:nvPr/>
+        </p:nvPicPr>
+        <p:blipFill>
+          <a:blip r:embed="rId2"/>
+          <a:stretch>
+            <a:fillRect/>
+          </a:stretch>
+        </p:blipFill>
+        <p:spPr>
+          <a:xfrm>
+            <a:off x="1969638" y="935555"/>
+            <a:ext cx="8252724" cy="4986890"/>
+          </a:xfrm>
+          <a:prstGeom prst="rect">
+            <a:avLst/>
+          </a:prstGeom>
+        </p:spPr>
+      </p:pic>
+    </p:spTree>
+    <p:extLst>
+      <p:ext uri="{BB962C8B-B14F-4D97-AF65-F5344CB8AC3E}">
+        <p14:creationId xmlns:p14="http://schemas.microsoft.com/office/powerpoint/2010/main" val="1479218624"/>
+      </p:ext>
+    </p:extLst>
+  </p:cSld>
+  <p:clrMapOvr>
+    <a:masterClrMapping/>
+  </p:clrMapOvr>
+</p:sld>
+</file>
+
+<file path=ppt/slides/slide16.xml><?xml version="1.0" encoding="utf-8"?>
+<p:sld xmlns:a="http://schemas.openxmlformats.org/drawingml/2006/main" xmlns:r="http://schemas.openxmlformats.org/officeDocument/2006/relationships" xmlns:p="http://schemas.openxmlformats.org/presentationml/2006/main">
+  <p:cSld>
+    <p:spTree>
+      <p:nvGrpSpPr>
+        <p:cNvPr id="1" name=""/>
+        <p:cNvGrpSpPr/>
+        <p:nvPr/>
+      </p:nvGrpSpPr>
+      <p:grpSpPr>
+        <a:xfrm>
+          <a:off x="0" y="0"/>
+          <a:ext cx="0" cy="0"/>
+          <a:chOff x="0" y="0"/>
+          <a:chExt cx="0" cy="0"/>
+        </a:xfrm>
+      </p:grpSpPr>
+      <p:sp>
+        <p:nvSpPr>
+          <p:cNvPr id="5" name="Slide Number Placeholder 4">
+            <a:extLst>
+              <a:ext uri="{FF2B5EF4-FFF2-40B4-BE49-F238E27FC236}">
+                <a16:creationId xmlns:a16="http://schemas.microsoft.com/office/drawing/2014/main" id="{8BEC2626-D00D-7027-7F2A-DDEFE3FEFEC8}"/>
+              </a:ext>
+            </a:extLst>
+          </p:cNvPr>
+          <p:cNvSpPr>
+            <a:spLocks noGrp="1"/>
+          </p:cNvSpPr>
+          <p:nvPr>
+            <p:ph type="sldNum" sz="quarter" idx="12"/>
+          </p:nvPr>
+        </p:nvSpPr>
+        <p:spPr/>
+        <p:txBody>
+          <a:bodyPr/>
+          <a:lstStyle/>
+          <a:p>
+            <a:fld id="{4B04BC67-DFA6-4863-89DB-B4077B3FACAF}" type="slidenum">
+              <a:rPr lang="en-US" smtClean="0"/>
+              <a:t>16</a:t>
+            </a:fld>
+            <a:endParaRPr lang="en-US"/>
+          </a:p>
+        </p:txBody>
+      </p:sp>
+      <p:pic>
+        <p:nvPicPr>
+          <p:cNvPr id="9" name="Picture 8">
+            <a:extLst>
+              <a:ext uri="{FF2B5EF4-FFF2-40B4-BE49-F238E27FC236}">
+                <a16:creationId xmlns:a16="http://schemas.microsoft.com/office/drawing/2014/main" id="{4E43D777-490B-2529-C54A-B561C6C511AD}"/>
+              </a:ext>
+            </a:extLst>
+          </p:cNvPr>
+          <p:cNvPicPr>
+            <a:picLocks noChangeAspect="1"/>
+          </p:cNvPicPr>
+          <p:nvPr/>
+        </p:nvPicPr>
+        <p:blipFill>
+          <a:blip r:embed="rId2"/>
+          <a:srcRect l="18731" t="15139" r="15865" b="5554"/>
+          <a:stretch/>
+        </p:blipFill>
+        <p:spPr>
+          <a:xfrm>
+            <a:off x="8248519" y="254708"/>
+            <a:ext cx="3954269" cy="3603581"/>
+          </a:xfrm>
+          <a:prstGeom prst="rect">
+            <a:avLst/>
+          </a:prstGeom>
+        </p:spPr>
+      </p:pic>
+      <p:pic>
+        <p:nvPicPr>
+          <p:cNvPr id="11" name="Picture 10">
+            <a:extLst>
+              <a:ext uri="{FF2B5EF4-FFF2-40B4-BE49-F238E27FC236}">
+                <a16:creationId xmlns:a16="http://schemas.microsoft.com/office/drawing/2014/main" id="{1B905AE1-AC9F-1D27-3AA0-745833237918}"/>
+              </a:ext>
+            </a:extLst>
+          </p:cNvPr>
+          <p:cNvPicPr>
+            <a:picLocks noChangeAspect="1"/>
+          </p:cNvPicPr>
+          <p:nvPr/>
+        </p:nvPicPr>
+        <p:blipFill>
+          <a:blip r:embed="rId3"/>
+          <a:stretch>
+            <a:fillRect/>
+          </a:stretch>
+        </p:blipFill>
+        <p:spPr>
+          <a:xfrm>
+            <a:off x="0" y="254708"/>
+            <a:ext cx="8303711" cy="6603292"/>
           </a:xfrm>
           <a:prstGeom prst="rect">
             <a:avLst/>
@@ -3886,6 +4613,100 @@
     <p:extLst>
       <p:ext uri="{BB962C8B-B14F-4D97-AF65-F5344CB8AC3E}">
         <p14:creationId xmlns:p14="http://schemas.microsoft.com/office/powerpoint/2010/main" val="1363849492"/>
+      </p:ext>
+    </p:extLst>
+  </p:cSld>
+  <p:clrMapOvr>
+    <a:masterClrMapping/>
+  </p:clrMapOvr>
+</p:sld>
+</file>
+
+<file path=ppt/slides/slide17.xml><?xml version="1.0" encoding="utf-8"?>
+<p:sld xmlns:a="http://schemas.openxmlformats.org/drawingml/2006/main" xmlns:r="http://schemas.openxmlformats.org/officeDocument/2006/relationships" xmlns:p="http://schemas.openxmlformats.org/presentationml/2006/main">
+  <p:cSld>
+    <p:spTree>
+      <p:nvGrpSpPr>
+        <p:cNvPr id="1" name=""/>
+        <p:cNvGrpSpPr/>
+        <p:nvPr/>
+      </p:nvGrpSpPr>
+      <p:grpSpPr>
+        <a:xfrm>
+          <a:off x="0" y="0"/>
+          <a:ext cx="0" cy="0"/>
+          <a:chOff x="0" y="0"/>
+          <a:chExt cx="0" cy="0"/>
+        </a:xfrm>
+      </p:grpSpPr>
+      <p:sp>
+        <p:nvSpPr>
+          <p:cNvPr id="2" name="Slide Number Placeholder 1">
+            <a:extLst>
+              <a:ext uri="{FF2B5EF4-FFF2-40B4-BE49-F238E27FC236}">
+                <a16:creationId xmlns:a16="http://schemas.microsoft.com/office/drawing/2014/main" id="{7D081973-CB31-0A1E-2239-D6E267BB352A}"/>
+              </a:ext>
+            </a:extLst>
+          </p:cNvPr>
+          <p:cNvSpPr>
+            <a:spLocks noGrp="1"/>
+          </p:cNvSpPr>
+          <p:nvPr>
+            <p:ph type="sldNum" sz="quarter" idx="12"/>
+          </p:nvPr>
+        </p:nvSpPr>
+        <p:spPr/>
+        <p:txBody>
+          <a:bodyPr/>
+          <a:lstStyle/>
+          <a:p>
+            <a:fld id="{4B04BC67-DFA6-4863-89DB-B4077B3FACAF}" type="slidenum">
+              <a:rPr lang="en-US" smtClean="0"/>
+              <a:t>17</a:t>
+            </a:fld>
+            <a:endParaRPr lang="en-US"/>
+          </a:p>
+        </p:txBody>
+      </p:sp>
+      <p:pic>
+        <p:nvPicPr>
+          <p:cNvPr id="4" name="Picture 3" descr="A graph of a window and a window&#10;&#10;Description automatically generated">
+            <a:extLst>
+              <a:ext uri="{FF2B5EF4-FFF2-40B4-BE49-F238E27FC236}">
+                <a16:creationId xmlns:a16="http://schemas.microsoft.com/office/drawing/2014/main" id="{EFE6DFEC-C215-9FDD-9BFF-A4D4C0F9D664}"/>
+              </a:ext>
+            </a:extLst>
+          </p:cNvPr>
+          <p:cNvPicPr>
+            <a:picLocks noChangeAspect="1"/>
+          </p:cNvPicPr>
+          <p:nvPr/>
+        </p:nvPicPr>
+        <p:blipFill>
+          <a:blip r:embed="rId2">
+            <a:extLst>
+              <a:ext uri="{28A0092B-C50C-407E-A947-70E740481C1C}">
+                <a14:useLocalDpi xmlns:a14="http://schemas.microsoft.com/office/drawing/2010/main" val="0"/>
+              </a:ext>
+            </a:extLst>
+          </a:blip>
+          <a:srcRect b="19566"/>
+          <a:stretch/>
+        </p:blipFill>
+        <p:spPr>
+          <a:xfrm>
+            <a:off x="0" y="898901"/>
+            <a:ext cx="12192000" cy="5287488"/>
+          </a:xfrm>
+          <a:prstGeom prst="rect">
+            <a:avLst/>
+          </a:prstGeom>
+        </p:spPr>
+      </p:pic>
+    </p:spTree>
+    <p:extLst>
+      <p:ext uri="{BB962C8B-B14F-4D97-AF65-F5344CB8AC3E}">
+        <p14:creationId xmlns:p14="http://schemas.microsoft.com/office/powerpoint/2010/main" val="158843786"/>
       </p:ext>
     </p:extLst>
   </p:cSld>
@@ -4092,6 +4913,65 @@
             <a:endParaRPr lang="en-US" dirty="0">
               <a:sym typeface="Wingdings" panose="05000000000000000000" pitchFamily="2" charset="2"/>
             </a:endParaRPr>
+          </a:p>
+        </p:txBody>
+      </p:sp>
+      <p:pic>
+        <p:nvPicPr>
+          <p:cNvPr id="5" name="Picture 4">
+            <a:extLst>
+              <a:ext uri="{FF2B5EF4-FFF2-40B4-BE49-F238E27FC236}">
+                <a16:creationId xmlns:a16="http://schemas.microsoft.com/office/drawing/2014/main" id="{526BAA97-564E-93BE-E381-F2384974C647}"/>
+              </a:ext>
+            </a:extLst>
+          </p:cNvPr>
+          <p:cNvPicPr>
+            <a:picLocks noChangeAspect="1"/>
+          </p:cNvPicPr>
+          <p:nvPr/>
+        </p:nvPicPr>
+        <p:blipFill>
+          <a:blip r:embed="rId2"/>
+          <a:stretch>
+            <a:fillRect/>
+          </a:stretch>
+        </p:blipFill>
+        <p:spPr>
+          <a:xfrm>
+            <a:off x="0" y="5423338"/>
+            <a:ext cx="12192000" cy="1434662"/>
+          </a:xfrm>
+          <a:prstGeom prst="rect">
+            <a:avLst/>
+          </a:prstGeom>
+        </p:spPr>
+      </p:pic>
+      <p:sp>
+        <p:nvSpPr>
+          <p:cNvPr id="7" name="Slide Number Placeholder 6">
+            <a:extLst>
+              <a:ext uri="{FF2B5EF4-FFF2-40B4-BE49-F238E27FC236}">
+                <a16:creationId xmlns:a16="http://schemas.microsoft.com/office/drawing/2014/main" id="{B53994E2-BC8B-7077-2580-ECFAF99593E4}"/>
+              </a:ext>
+            </a:extLst>
+          </p:cNvPr>
+          <p:cNvSpPr>
+            <a:spLocks noGrp="1"/>
+          </p:cNvSpPr>
+          <p:nvPr>
+            <p:ph type="sldNum" sz="quarter" idx="12"/>
+          </p:nvPr>
+        </p:nvSpPr>
+        <p:spPr/>
+        <p:txBody>
+          <a:bodyPr/>
+          <a:lstStyle/>
+          <a:p>
+            <a:fld id="{4B04BC67-DFA6-4863-89DB-B4077B3FACAF}" type="slidenum">
+              <a:rPr lang="en-US" smtClean="0"/>
+              <a:t>2</a:t>
+            </a:fld>
+            <a:endParaRPr lang="en-US"/>
           </a:p>
         </p:txBody>
       </p:sp>
@@ -4237,7 +5117,7 @@
             <a:pPr lvl="1"/>
             <a:r>
               <a:rPr lang="en-US" dirty="0" err="1"/>
-              <a:t>Potentielt</a:t>
+              <a:t>Køre</a:t>
             </a:r>
             <a:r>
               <a:rPr lang="en-US" dirty="0"/>
@@ -4245,6 +5125,38 @@
             </a:r>
             <a:r>
               <a:rPr lang="en-US" dirty="0" err="1"/>
+              <a:t>til</a:t>
+            </a:r>
+            <a:r>
+              <a:rPr lang="en-US" dirty="0"/>
+              <a:t> </a:t>
+            </a:r>
+            <a:r>
+              <a:rPr lang="en-US" dirty="0" err="1"/>
+              <a:t>evig</a:t>
+            </a:r>
+            <a:r>
+              <a:rPr lang="en-US" dirty="0"/>
+              <a:t> </a:t>
+            </a:r>
+            <a:r>
+              <a:rPr lang="en-US" dirty="0" err="1"/>
+              <a:t>tid</a:t>
+            </a:r>
+            <a:endParaRPr lang="en-US" dirty="0"/>
+          </a:p>
+          <a:p>
+            <a:pPr lvl="1"/>
+            <a:r>
+              <a:rPr lang="en-US" dirty="0" err="1"/>
+              <a:t>Potentielt</a:t>
+            </a:r>
+            <a:r>
+              <a:rPr lang="en-US" dirty="0"/>
+              <a:t> </a:t>
+            </a:r>
+            <a:r>
+              <a:rPr lang="en-US" dirty="0" err="1"/>
               <a:t>ustabilet</a:t>
             </a:r>
             <a:endParaRPr lang="en-US" dirty="0"/>
@@ -4282,6 +5194,35 @@
           </a:p>
           <a:p>
             <a:endParaRPr lang="en-US" dirty="0"/>
+          </a:p>
+        </p:txBody>
+      </p:sp>
+      <p:sp>
+        <p:nvSpPr>
+          <p:cNvPr id="5" name="Slide Number Placeholder 4">
+            <a:extLst>
+              <a:ext uri="{FF2B5EF4-FFF2-40B4-BE49-F238E27FC236}">
+                <a16:creationId xmlns:a16="http://schemas.microsoft.com/office/drawing/2014/main" id="{CE4E51B0-8148-DEFD-F95D-54F07C0D75E4}"/>
+              </a:ext>
+            </a:extLst>
+          </p:cNvPr>
+          <p:cNvSpPr>
+            <a:spLocks noGrp="1"/>
+          </p:cNvSpPr>
+          <p:nvPr>
+            <p:ph type="sldNum" sz="quarter" idx="12"/>
+          </p:nvPr>
+        </p:nvSpPr>
+        <p:spPr/>
+        <p:txBody>
+          <a:bodyPr/>
+          <a:lstStyle/>
+          <a:p>
+            <a:fld id="{4B04BC67-DFA6-4863-89DB-B4077B3FACAF}" type="slidenum">
+              <a:rPr lang="en-US" smtClean="0"/>
+              <a:t>3</a:t>
+            </a:fld>
+            <a:endParaRPr lang="en-US"/>
           </a:p>
         </p:txBody>
       </p:sp>
@@ -4381,6 +5322,35 @@
           </a:prstGeom>
         </p:spPr>
       </p:pic>
+      <p:sp>
+        <p:nvSpPr>
+          <p:cNvPr id="5" name="Slide Number Placeholder 4">
+            <a:extLst>
+              <a:ext uri="{FF2B5EF4-FFF2-40B4-BE49-F238E27FC236}">
+                <a16:creationId xmlns:a16="http://schemas.microsoft.com/office/drawing/2014/main" id="{F1301712-75D0-664E-6FC7-6A8735A94528}"/>
+              </a:ext>
+            </a:extLst>
+          </p:cNvPr>
+          <p:cNvSpPr>
+            <a:spLocks noGrp="1"/>
+          </p:cNvSpPr>
+          <p:nvPr>
+            <p:ph type="sldNum" sz="quarter" idx="12"/>
+          </p:nvPr>
+        </p:nvSpPr>
+        <p:spPr/>
+        <p:txBody>
+          <a:bodyPr/>
+          <a:lstStyle/>
+          <a:p>
+            <a:fld id="{4B04BC67-DFA6-4863-89DB-B4077B3FACAF}" type="slidenum">
+              <a:rPr lang="en-US" smtClean="0"/>
+              <a:t>4</a:t>
+            </a:fld>
+            <a:endParaRPr lang="en-US"/>
+          </a:p>
+        </p:txBody>
+      </p:sp>
     </p:spTree>
     <p:extLst>
       <p:ext uri="{BB962C8B-B14F-4D97-AF65-F5344CB8AC3E}">
@@ -4411,6 +5381,123 @@
           <a:chExt cx="0" cy="0"/>
         </a:xfrm>
       </p:grpSpPr>
+      <p:sp>
+        <p:nvSpPr>
+          <p:cNvPr id="2" name="Title 1">
+            <a:extLst>
+              <a:ext uri="{FF2B5EF4-FFF2-40B4-BE49-F238E27FC236}">
+                <a16:creationId xmlns:a16="http://schemas.microsoft.com/office/drawing/2014/main" id="{57B9888B-281C-EB49-C4D1-B6474ED137AC}"/>
+              </a:ext>
+            </a:extLst>
+          </p:cNvPr>
+          <p:cNvSpPr>
+            <a:spLocks noGrp="1"/>
+          </p:cNvSpPr>
+          <p:nvPr>
+            <p:ph type="title"/>
+          </p:nvPr>
+        </p:nvSpPr>
+        <p:spPr/>
+        <p:txBody>
+          <a:bodyPr/>
+          <a:lstStyle/>
+          <a:p>
+            <a:r>
+              <a:rPr lang="en-US" dirty="0"/>
+              <a:t>Linear phase, constant group delay</a:t>
+            </a:r>
+          </a:p>
+        </p:txBody>
+      </p:sp>
+      <p:pic>
+        <p:nvPicPr>
+          <p:cNvPr id="4" name="Picture 3">
+            <a:extLst>
+              <a:ext uri="{FF2B5EF4-FFF2-40B4-BE49-F238E27FC236}">
+                <a16:creationId xmlns:a16="http://schemas.microsoft.com/office/drawing/2014/main" id="{FB083E4D-F6E1-DC75-98F6-192189583847}"/>
+              </a:ext>
+            </a:extLst>
+          </p:cNvPr>
+          <p:cNvPicPr>
+            <a:picLocks noChangeAspect="1"/>
+          </p:cNvPicPr>
+          <p:nvPr/>
+        </p:nvPicPr>
+        <p:blipFill>
+          <a:blip r:embed="rId2"/>
+          <a:stretch>
+            <a:fillRect/>
+          </a:stretch>
+        </p:blipFill>
+        <p:spPr>
+          <a:xfrm>
+            <a:off x="838200" y="2013168"/>
+            <a:ext cx="10355906" cy="3866931"/>
+          </a:xfrm>
+          <a:prstGeom prst="rect">
+            <a:avLst/>
+          </a:prstGeom>
+        </p:spPr>
+      </p:pic>
+      <p:sp>
+        <p:nvSpPr>
+          <p:cNvPr id="6" name="Slide Number Placeholder 5">
+            <a:extLst>
+              <a:ext uri="{FF2B5EF4-FFF2-40B4-BE49-F238E27FC236}">
+                <a16:creationId xmlns:a16="http://schemas.microsoft.com/office/drawing/2014/main" id="{2A1842CF-68EC-7730-7A8C-90E1C92A80B4}"/>
+              </a:ext>
+            </a:extLst>
+          </p:cNvPr>
+          <p:cNvSpPr>
+            <a:spLocks noGrp="1"/>
+          </p:cNvSpPr>
+          <p:nvPr>
+            <p:ph type="sldNum" sz="quarter" idx="12"/>
+          </p:nvPr>
+        </p:nvSpPr>
+        <p:spPr/>
+        <p:txBody>
+          <a:bodyPr/>
+          <a:lstStyle/>
+          <a:p>
+            <a:fld id="{4B04BC67-DFA6-4863-89DB-B4077B3FACAF}" type="slidenum">
+              <a:rPr lang="en-US" smtClean="0"/>
+              <a:t>5</a:t>
+            </a:fld>
+            <a:endParaRPr lang="en-US"/>
+          </a:p>
+        </p:txBody>
+      </p:sp>
+    </p:spTree>
+    <p:extLst>
+      <p:ext uri="{BB962C8B-B14F-4D97-AF65-F5344CB8AC3E}">
+        <p14:creationId xmlns:p14="http://schemas.microsoft.com/office/powerpoint/2010/main" val="2787387354"/>
+      </p:ext>
+    </p:extLst>
+  </p:cSld>
+  <p:clrMapOvr>
+    <a:masterClrMapping/>
+  </p:clrMapOvr>
+</p:sld>
+</file>
+
+<file path=ppt/slides/slide6.xml><?xml version="1.0" encoding="utf-8"?>
+<p:sld xmlns:a="http://schemas.openxmlformats.org/drawingml/2006/main" xmlns:r="http://schemas.openxmlformats.org/officeDocument/2006/relationships" xmlns:p="http://schemas.openxmlformats.org/presentationml/2006/main">
+  <p:cSld>
+    <p:spTree>
+      <p:nvGrpSpPr>
+        <p:cNvPr id="1" name=""/>
+        <p:cNvGrpSpPr/>
+        <p:nvPr/>
+      </p:nvGrpSpPr>
+      <p:grpSpPr>
+        <a:xfrm>
+          <a:off x="0" y="0"/>
+          <a:ext cx="0" cy="0"/>
+          <a:chOff x="0" y="0"/>
+          <a:chExt cx="0" cy="0"/>
+        </a:xfrm>
+      </p:grpSpPr>
       <p:pic>
         <p:nvPicPr>
           <p:cNvPr id="6" name="Picture 5">
@@ -4462,8 +5549,8 @@
         </p:blipFill>
         <p:spPr>
           <a:xfrm>
-            <a:off x="7696203" y="192988"/>
-            <a:ext cx="3600999" cy="3236012"/>
+            <a:off x="7111475" y="1224838"/>
+            <a:ext cx="4905535" cy="4408324"/>
           </a:xfrm>
           <a:prstGeom prst="rect">
             <a:avLst/>
@@ -4506,128 +5593,39 @@
           </a:fontRef>
         </p:style>
       </p:cxnSp>
-      <p:pic>
-        <p:nvPicPr>
-          <p:cNvPr id="14" name="Picture 13">
-            <a:extLst>
-              <a:ext uri="{FF2B5EF4-FFF2-40B4-BE49-F238E27FC236}">
-                <a16:creationId xmlns:a16="http://schemas.microsoft.com/office/drawing/2014/main" id="{3A1E204C-1D2E-53D8-3FBD-1442D3BE2FB3}"/>
-              </a:ext>
-            </a:extLst>
-          </p:cNvPr>
-          <p:cNvPicPr>
-            <a:picLocks noChangeAspect="1"/>
-          </p:cNvPicPr>
-          <p:nvPr/>
-        </p:nvPicPr>
-        <p:blipFill>
-          <a:blip r:embed="rId4"/>
-          <a:stretch>
-            <a:fillRect/>
-          </a:stretch>
-        </p:blipFill>
-        <p:spPr>
-          <a:xfrm>
-            <a:off x="7596548" y="3664547"/>
-            <a:ext cx="3357200" cy="2945803"/>
-          </a:xfrm>
-          <a:prstGeom prst="rect">
-            <a:avLst/>
-          </a:prstGeom>
-        </p:spPr>
-      </p:pic>
+      <p:sp>
+        <p:nvSpPr>
+          <p:cNvPr id="4" name="Slide Number Placeholder 3">
+            <a:extLst>
+              <a:ext uri="{FF2B5EF4-FFF2-40B4-BE49-F238E27FC236}">
+                <a16:creationId xmlns:a16="http://schemas.microsoft.com/office/drawing/2014/main" id="{929AAD91-6923-6040-F8D8-E310B9B4C21A}"/>
+              </a:ext>
+            </a:extLst>
+          </p:cNvPr>
+          <p:cNvSpPr>
+            <a:spLocks noGrp="1"/>
+          </p:cNvSpPr>
+          <p:nvPr>
+            <p:ph type="sldNum" sz="quarter" idx="12"/>
+          </p:nvPr>
+        </p:nvSpPr>
+        <p:spPr/>
+        <p:txBody>
+          <a:bodyPr/>
+          <a:lstStyle/>
+          <a:p>
+            <a:fld id="{4B04BC67-DFA6-4863-89DB-B4077B3FACAF}" type="slidenum">
+              <a:rPr lang="en-US" smtClean="0"/>
+              <a:t>6</a:t>
+            </a:fld>
+            <a:endParaRPr lang="en-US"/>
+          </a:p>
+        </p:txBody>
+      </p:sp>
     </p:spTree>
     <p:extLst>
       <p:ext uri="{BB962C8B-B14F-4D97-AF65-F5344CB8AC3E}">
         <p14:creationId xmlns:p14="http://schemas.microsoft.com/office/powerpoint/2010/main" val="1258869732"/>
-      </p:ext>
-    </p:extLst>
-  </p:cSld>
-  <p:clrMapOvr>
-    <a:masterClrMapping/>
-  </p:clrMapOvr>
-</p:sld>
-</file>
-
-<file path=ppt/slides/slide6.xml><?xml version="1.0" encoding="utf-8"?>
-<p:sld xmlns:a="http://schemas.openxmlformats.org/drawingml/2006/main" xmlns:r="http://schemas.openxmlformats.org/officeDocument/2006/relationships" xmlns:p="http://schemas.openxmlformats.org/presentationml/2006/main">
-  <p:cSld>
-    <p:spTree>
-      <p:nvGrpSpPr>
-        <p:cNvPr id="1" name=""/>
-        <p:cNvGrpSpPr/>
-        <p:nvPr/>
-      </p:nvGrpSpPr>
-      <p:grpSpPr>
-        <a:xfrm>
-          <a:off x="0" y="0"/>
-          <a:ext cx="0" cy="0"/>
-          <a:chOff x="0" y="0"/>
-          <a:chExt cx="0" cy="0"/>
-        </a:xfrm>
-      </p:grpSpPr>
-      <p:sp>
-        <p:nvSpPr>
-          <p:cNvPr id="2" name="Title 1">
-            <a:extLst>
-              <a:ext uri="{FF2B5EF4-FFF2-40B4-BE49-F238E27FC236}">
-                <a16:creationId xmlns:a16="http://schemas.microsoft.com/office/drawing/2014/main" id="{57B9888B-281C-EB49-C4D1-B6474ED137AC}"/>
-              </a:ext>
-            </a:extLst>
-          </p:cNvPr>
-          <p:cNvSpPr>
-            <a:spLocks noGrp="1"/>
-          </p:cNvSpPr>
-          <p:nvPr>
-            <p:ph type="title"/>
-          </p:nvPr>
-        </p:nvSpPr>
-        <p:spPr/>
-        <p:txBody>
-          <a:bodyPr/>
-          <a:lstStyle/>
-          <a:p>
-            <a:r>
-              <a:rPr lang="en-US" dirty="0"/>
-              <a:t>Linear phase, constant group delay</a:t>
-            </a:r>
-          </a:p>
-        </p:txBody>
-      </p:sp>
-      <p:pic>
-        <p:nvPicPr>
-          <p:cNvPr id="4" name="Picture 3">
-            <a:extLst>
-              <a:ext uri="{FF2B5EF4-FFF2-40B4-BE49-F238E27FC236}">
-                <a16:creationId xmlns:a16="http://schemas.microsoft.com/office/drawing/2014/main" id="{FB083E4D-F6E1-DC75-98F6-192189583847}"/>
-              </a:ext>
-            </a:extLst>
-          </p:cNvPr>
-          <p:cNvPicPr>
-            <a:picLocks noChangeAspect="1"/>
-          </p:cNvPicPr>
-          <p:nvPr/>
-        </p:nvPicPr>
-        <p:blipFill>
-          <a:blip r:embed="rId2"/>
-          <a:stretch>
-            <a:fillRect/>
-          </a:stretch>
-        </p:blipFill>
-        <p:spPr>
-          <a:xfrm>
-            <a:off x="838200" y="2013168"/>
-            <a:ext cx="10355906" cy="3866931"/>
-          </a:xfrm>
-          <a:prstGeom prst="rect">
-            <a:avLst/>
-          </a:prstGeom>
-        </p:spPr>
-      </p:pic>
-    </p:spTree>
-    <p:extLst>
-      <p:ext uri="{BB962C8B-B14F-4D97-AF65-F5344CB8AC3E}">
-        <p14:creationId xmlns:p14="http://schemas.microsoft.com/office/powerpoint/2010/main" val="2787387354"/>
       </p:ext>
     </p:extLst>
   </p:cSld>
@@ -4656,10 +5654,10 @@
       </p:grpSpPr>
       <p:pic>
         <p:nvPicPr>
-          <p:cNvPr id="6" name="Picture 5">
-            <a:extLst>
-              <a:ext uri="{FF2B5EF4-FFF2-40B4-BE49-F238E27FC236}">
-                <a16:creationId xmlns:a16="http://schemas.microsoft.com/office/drawing/2014/main" id="{E2475168-761D-5E95-D8CF-B9DB5069BA32}"/>
+          <p:cNvPr id="4" name="Picture 3">
+            <a:extLst>
+              <a:ext uri="{FF2B5EF4-FFF2-40B4-BE49-F238E27FC236}">
+                <a16:creationId xmlns:a16="http://schemas.microsoft.com/office/drawing/2014/main" id="{CC5399F8-A15D-719B-68BB-BB7482B4D2A4}"/>
               </a:ext>
             </a:extLst>
           </p:cNvPr>
@@ -4676,18 +5674,47 @@
         </p:blipFill>
         <p:spPr>
           <a:xfrm>
-            <a:off x="469900" y="514471"/>
-            <a:ext cx="11722100" cy="5243880"/>
+            <a:off x="637032" y="0"/>
+            <a:ext cx="10917936" cy="6858000"/>
           </a:xfrm>
           <a:prstGeom prst="rect">
             <a:avLst/>
           </a:prstGeom>
         </p:spPr>
       </p:pic>
+      <p:sp>
+        <p:nvSpPr>
+          <p:cNvPr id="7" name="Slide Number Placeholder 6">
+            <a:extLst>
+              <a:ext uri="{FF2B5EF4-FFF2-40B4-BE49-F238E27FC236}">
+                <a16:creationId xmlns:a16="http://schemas.microsoft.com/office/drawing/2014/main" id="{05F59ADD-909D-8095-A080-004F4F68E998}"/>
+              </a:ext>
+            </a:extLst>
+          </p:cNvPr>
+          <p:cNvSpPr>
+            <a:spLocks noGrp="1"/>
+          </p:cNvSpPr>
+          <p:nvPr>
+            <p:ph type="sldNum" sz="quarter" idx="12"/>
+          </p:nvPr>
+        </p:nvSpPr>
+        <p:spPr/>
+        <p:txBody>
+          <a:bodyPr/>
+          <a:lstStyle/>
+          <a:p>
+            <a:fld id="{4B04BC67-DFA6-4863-89DB-B4077B3FACAF}" type="slidenum">
+              <a:rPr lang="en-US" smtClean="0"/>
+              <a:t>7</a:t>
+            </a:fld>
+            <a:endParaRPr lang="en-US"/>
+          </a:p>
+        </p:txBody>
+      </p:sp>
     </p:spTree>
     <p:extLst>
       <p:ext uri="{BB962C8B-B14F-4D97-AF65-F5344CB8AC3E}">
-        <p14:creationId xmlns:p14="http://schemas.microsoft.com/office/powerpoint/2010/main" val="865796401"/>
+        <p14:creationId xmlns:p14="http://schemas.microsoft.com/office/powerpoint/2010/main" val="2390960450"/>
       </p:ext>
     </p:extLst>
   </p:cSld>
@@ -4716,10 +5743,10 @@
       </p:grpSpPr>
       <p:pic>
         <p:nvPicPr>
-          <p:cNvPr id="3" name="Picture 2">
-            <a:extLst>
-              <a:ext uri="{FF2B5EF4-FFF2-40B4-BE49-F238E27FC236}">
-                <a16:creationId xmlns:a16="http://schemas.microsoft.com/office/drawing/2014/main" id="{3D782BCD-F194-999F-E9D9-4489532CFF00}"/>
+          <p:cNvPr id="14" name="Picture 13">
+            <a:extLst>
+              <a:ext uri="{FF2B5EF4-FFF2-40B4-BE49-F238E27FC236}">
+                <a16:creationId xmlns:a16="http://schemas.microsoft.com/office/drawing/2014/main" id="{3A1E204C-1D2E-53D8-3FBD-1442D3BE2FB3}"/>
               </a:ext>
             </a:extLst>
           </p:cNvPr>
@@ -4736,18 +5763,105 @@
         </p:blipFill>
         <p:spPr>
           <a:xfrm>
-            <a:off x="1528656" y="0"/>
-            <a:ext cx="9134688" cy="6858000"/>
+            <a:off x="6690886" y="1790987"/>
+            <a:ext cx="5154628" cy="4522971"/>
           </a:xfrm>
           <a:prstGeom prst="rect">
             <a:avLst/>
           </a:prstGeom>
         </p:spPr>
       </p:pic>
+      <p:pic>
+        <p:nvPicPr>
+          <p:cNvPr id="4" name="Picture 3">
+            <a:extLst>
+              <a:ext uri="{FF2B5EF4-FFF2-40B4-BE49-F238E27FC236}">
+                <a16:creationId xmlns:a16="http://schemas.microsoft.com/office/drawing/2014/main" id="{376B4B89-B1B0-6F50-EA6A-CFAB300F4B8C}"/>
+              </a:ext>
+            </a:extLst>
+          </p:cNvPr>
+          <p:cNvPicPr>
+            <a:picLocks noChangeAspect="1"/>
+          </p:cNvPicPr>
+          <p:nvPr/>
+        </p:nvPicPr>
+        <p:blipFill>
+          <a:blip r:embed="rId3"/>
+          <a:srcRect b="63161"/>
+          <a:stretch/>
+        </p:blipFill>
+        <p:spPr>
+          <a:xfrm>
+            <a:off x="468760" y="227972"/>
+            <a:ext cx="6222125" cy="1960282"/>
+          </a:xfrm>
+          <a:prstGeom prst="rect">
+            <a:avLst/>
+          </a:prstGeom>
+        </p:spPr>
+      </p:pic>
+      <p:pic>
+        <p:nvPicPr>
+          <p:cNvPr id="6" name="Picture 5">
+            <a:extLst>
+              <a:ext uri="{FF2B5EF4-FFF2-40B4-BE49-F238E27FC236}">
+                <a16:creationId xmlns:a16="http://schemas.microsoft.com/office/drawing/2014/main" id="{8AD69153-A5CE-F3BC-019B-0D1CFCD744E6}"/>
+              </a:ext>
+            </a:extLst>
+          </p:cNvPr>
+          <p:cNvPicPr>
+            <a:picLocks noChangeAspect="1"/>
+          </p:cNvPicPr>
+          <p:nvPr/>
+        </p:nvPicPr>
+        <p:blipFill>
+          <a:blip r:embed="rId3"/>
+          <a:srcRect t="39173" r="19433"/>
+          <a:stretch/>
+        </p:blipFill>
+        <p:spPr>
+          <a:xfrm>
+            <a:off x="346487" y="2868004"/>
+            <a:ext cx="5580993" cy="3603484"/>
+          </a:xfrm>
+          <a:prstGeom prst="rect">
+            <a:avLst/>
+          </a:prstGeom>
+        </p:spPr>
+      </p:pic>
+      <p:sp>
+        <p:nvSpPr>
+          <p:cNvPr id="9" name="Slide Number Placeholder 8">
+            <a:extLst>
+              <a:ext uri="{FF2B5EF4-FFF2-40B4-BE49-F238E27FC236}">
+                <a16:creationId xmlns:a16="http://schemas.microsoft.com/office/drawing/2014/main" id="{3E4F67A5-AC7F-B376-31B8-187384D7ACBB}"/>
+              </a:ext>
+            </a:extLst>
+          </p:cNvPr>
+          <p:cNvSpPr>
+            <a:spLocks noGrp="1"/>
+          </p:cNvSpPr>
+          <p:nvPr>
+            <p:ph type="sldNum" sz="quarter" idx="12"/>
+          </p:nvPr>
+        </p:nvSpPr>
+        <p:spPr/>
+        <p:txBody>
+          <a:bodyPr/>
+          <a:lstStyle/>
+          <a:p>
+            <a:fld id="{4B04BC67-DFA6-4863-89DB-B4077B3FACAF}" type="slidenum">
+              <a:rPr lang="en-US" smtClean="0"/>
+              <a:t>8</a:t>
+            </a:fld>
+            <a:endParaRPr lang="en-US"/>
+          </a:p>
+        </p:txBody>
+      </p:sp>
     </p:spTree>
     <p:extLst>
       <p:ext uri="{BB962C8B-B14F-4D97-AF65-F5344CB8AC3E}">
-        <p14:creationId xmlns:p14="http://schemas.microsoft.com/office/powerpoint/2010/main" val="2738329338"/>
+        <p14:creationId xmlns:p14="http://schemas.microsoft.com/office/powerpoint/2010/main" val="2282261289"/>
       </p:ext>
     </p:extLst>
   </p:cSld>
@@ -4776,10 +5890,10 @@
       </p:grpSpPr>
       <p:pic>
         <p:nvPicPr>
-          <p:cNvPr id="3" name="Picture 2">
-            <a:extLst>
-              <a:ext uri="{FF2B5EF4-FFF2-40B4-BE49-F238E27FC236}">
-                <a16:creationId xmlns:a16="http://schemas.microsoft.com/office/drawing/2014/main" id="{5E9FEC90-3E24-A755-337A-F7C9C018EE5B}"/>
+          <p:cNvPr id="6" name="Picture 5">
+            <a:extLst>
+              <a:ext uri="{FF2B5EF4-FFF2-40B4-BE49-F238E27FC236}">
+                <a16:creationId xmlns:a16="http://schemas.microsoft.com/office/drawing/2014/main" id="{E2475168-761D-5E95-D8CF-B9DB5069BA32}"/>
               </a:ext>
             </a:extLst>
           </p:cNvPr>
@@ -4796,18 +5910,47 @@
         </p:blipFill>
         <p:spPr>
           <a:xfrm>
-            <a:off x="0" y="1"/>
-            <a:ext cx="9124950" cy="6858000"/>
+            <a:off x="469900" y="514471"/>
+            <a:ext cx="11722100" cy="5243880"/>
           </a:xfrm>
           <a:prstGeom prst="rect">
             <a:avLst/>
           </a:prstGeom>
         </p:spPr>
       </p:pic>
+      <p:sp>
+        <p:nvSpPr>
+          <p:cNvPr id="4" name="Slide Number Placeholder 3">
+            <a:extLst>
+              <a:ext uri="{FF2B5EF4-FFF2-40B4-BE49-F238E27FC236}">
+                <a16:creationId xmlns:a16="http://schemas.microsoft.com/office/drawing/2014/main" id="{472E2EB2-42CB-A933-B916-91BCC046EAC6}"/>
+              </a:ext>
+            </a:extLst>
+          </p:cNvPr>
+          <p:cNvSpPr>
+            <a:spLocks noGrp="1"/>
+          </p:cNvSpPr>
+          <p:nvPr>
+            <p:ph type="sldNum" sz="quarter" idx="12"/>
+          </p:nvPr>
+        </p:nvSpPr>
+        <p:spPr/>
+        <p:txBody>
+          <a:bodyPr/>
+          <a:lstStyle/>
+          <a:p>
+            <a:fld id="{4B04BC67-DFA6-4863-89DB-B4077B3FACAF}" type="slidenum">
+              <a:rPr lang="en-US" smtClean="0"/>
+              <a:t>9</a:t>
+            </a:fld>
+            <a:endParaRPr lang="en-US"/>
+          </a:p>
+        </p:txBody>
+      </p:sp>
     </p:spTree>
     <p:extLst>
       <p:ext uri="{BB962C8B-B14F-4D97-AF65-F5344CB8AC3E}">
-        <p14:creationId xmlns:p14="http://schemas.microsoft.com/office/powerpoint/2010/main" val="125125940"/>
+        <p14:creationId xmlns:p14="http://schemas.microsoft.com/office/powerpoint/2010/main" val="865796401"/>
       </p:ext>
     </p:extLst>
   </p:cSld>
@@ -5447,6 +6590,321 @@
 </a:theme>
 </file>
 
+<file path=ppt/theme/theme3.xml><?xml version="1.0" encoding="utf-8"?>
+<a:theme xmlns:a="http://schemas.openxmlformats.org/drawingml/2006/main" name="Office Theme">
+  <a:themeElements>
+    <a:clrScheme name="Office">
+      <a:dk1>
+        <a:sysClr val="windowText" lastClr="000000"/>
+      </a:dk1>
+      <a:lt1>
+        <a:sysClr val="window" lastClr="FFFFFF"/>
+      </a:lt1>
+      <a:dk2>
+        <a:srgbClr val="0E2841"/>
+      </a:dk2>
+      <a:lt2>
+        <a:srgbClr val="E8E8E8"/>
+      </a:lt2>
+      <a:accent1>
+        <a:srgbClr val="156082"/>
+      </a:accent1>
+      <a:accent2>
+        <a:srgbClr val="E97132"/>
+      </a:accent2>
+      <a:accent3>
+        <a:srgbClr val="196B24"/>
+      </a:accent3>
+      <a:accent4>
+        <a:srgbClr val="0F9ED5"/>
+      </a:accent4>
+      <a:accent5>
+        <a:srgbClr val="A02B93"/>
+      </a:accent5>
+      <a:accent6>
+        <a:srgbClr val="4EA72E"/>
+      </a:accent6>
+      <a:hlink>
+        <a:srgbClr val="467886"/>
+      </a:hlink>
+      <a:folHlink>
+        <a:srgbClr val="96607D"/>
+      </a:folHlink>
+    </a:clrScheme>
+    <a:fontScheme name="Office">
+      <a:majorFont>
+        <a:latin typeface="Aptos Display" panose="02110004020202020204"/>
+        <a:ea typeface=""/>
+        <a:cs typeface=""/>
+        <a:font script="Jpan" typeface="游ゴシック Light"/>
+        <a:font script="Hang" typeface="맑은 고딕"/>
+        <a:font script="Hans" typeface="等线 Light"/>
+        <a:font script="Hant" typeface="新細明體"/>
+        <a:font script="Arab" typeface="Times New Roman"/>
+        <a:font script="Hebr" typeface="Times New Roman"/>
+        <a:font script="Thai" typeface="Angsana New"/>
+        <a:font script="Ethi" typeface="Nyala"/>
+        <a:font script="Beng" typeface="Vrinda"/>
+        <a:font script="Gujr" typeface="Shruti"/>
+        <a:font script="Khmr" typeface="MoolBoran"/>
+        <a:font script="Knda" typeface="Tunga"/>
+        <a:font script="Guru" typeface="Raavi"/>
+        <a:font script="Cans" typeface="Euphemia"/>
+        <a:font script="Cher" typeface="Plantagenet Cherokee"/>
+        <a:font script="Yiii" typeface="Microsoft Yi Baiti"/>
+        <a:font script="Tibt" typeface="Microsoft Himalaya"/>
+        <a:font script="Thaa" typeface="MV Boli"/>
+        <a:font script="Deva" typeface="Mangal"/>
+        <a:font script="Telu" typeface="Gautami"/>
+        <a:font script="Taml" typeface="Latha"/>
+        <a:font script="Syrc" typeface="Estrangelo Edessa"/>
+        <a:font script="Orya" typeface="Kalinga"/>
+        <a:font script="Mlym" typeface="Kartika"/>
+        <a:font script="Laoo" typeface="DokChampa"/>
+        <a:font script="Sinh" typeface="Iskoola Pota"/>
+        <a:font script="Mong" typeface="Mongolian Baiti"/>
+        <a:font script="Viet" typeface="Times New Roman"/>
+        <a:font script="Uigh" typeface="Microsoft Uighur"/>
+        <a:font script="Geor" typeface="Sylfaen"/>
+        <a:font script="Armn" typeface="Arial"/>
+        <a:font script="Bugi" typeface="Leelawadee UI"/>
+        <a:font script="Bopo" typeface="Microsoft JhengHei"/>
+        <a:font script="Java" typeface="Javanese Text"/>
+        <a:font script="Lisu" typeface="Segoe UI"/>
+        <a:font script="Mymr" typeface="Myanmar Text"/>
+        <a:font script="Nkoo" typeface="Ebrima"/>
+        <a:font script="Olck" typeface="Nirmala UI"/>
+        <a:font script="Osma" typeface="Ebrima"/>
+        <a:font script="Phag" typeface="Phagspa"/>
+        <a:font script="Syrn" typeface="Estrangelo Edessa"/>
+        <a:font script="Syrj" typeface="Estrangelo Edessa"/>
+        <a:font script="Syre" typeface="Estrangelo Edessa"/>
+        <a:font script="Sora" typeface="Nirmala UI"/>
+        <a:font script="Tale" typeface="Microsoft Tai Le"/>
+        <a:font script="Talu" typeface="Microsoft New Tai Lue"/>
+        <a:font script="Tfng" typeface="Ebrima"/>
+      </a:majorFont>
+      <a:minorFont>
+        <a:latin typeface="Aptos" panose="02110004020202020204"/>
+        <a:ea typeface=""/>
+        <a:cs typeface=""/>
+        <a:font script="Jpan" typeface="游ゴシック"/>
+        <a:font script="Hang" typeface="맑은 고딕"/>
+        <a:font script="Hans" typeface="等线"/>
+        <a:font script="Hant" typeface="新細明體"/>
+        <a:font script="Arab" typeface="Arial"/>
+        <a:font script="Hebr" typeface="Arial"/>
+        <a:font script="Thai" typeface="Cordia New"/>
+        <a:font script="Ethi" typeface="Nyala"/>
+        <a:font script="Beng" typeface="Vrinda"/>
+        <a:font script="Gujr" typeface="Shruti"/>
+        <a:font script="Khmr" typeface="DaunPenh"/>
+        <a:font script="Knda" typeface="Tunga"/>
+        <a:font script="Guru" typeface="Raavi"/>
+        <a:font script="Cans" typeface="Euphemia"/>
+        <a:font script="Cher" typeface="Plantagenet Cherokee"/>
+        <a:font script="Yiii" typeface="Microsoft Yi Baiti"/>
+        <a:font script="Tibt" typeface="Microsoft Himalaya"/>
+        <a:font script="Thaa" typeface="MV Boli"/>
+        <a:font script="Deva" typeface="Mangal"/>
+        <a:font script="Telu" typeface="Gautami"/>
+        <a:font script="Taml" typeface="Latha"/>
+        <a:font script="Syrc" typeface="Estrangelo Edessa"/>
+        <a:font script="Orya" typeface="Kalinga"/>
+        <a:font script="Mlym" typeface="Kartika"/>
+        <a:font script="Laoo" typeface="DokChampa"/>
+        <a:font script="Sinh" typeface="Iskoola Pota"/>
+        <a:font script="Mong" typeface="Mongolian Baiti"/>
+        <a:font script="Viet" typeface="Arial"/>
+        <a:font script="Uigh" typeface="Microsoft Uighur"/>
+        <a:font script="Geor" typeface="Sylfaen"/>
+        <a:font script="Armn" typeface="Arial"/>
+        <a:font script="Bugi" typeface="Leelawadee UI"/>
+        <a:font script="Bopo" typeface="Microsoft JhengHei"/>
+        <a:font script="Java" typeface="Javanese Text"/>
+        <a:font script="Lisu" typeface="Segoe UI"/>
+        <a:font script="Mymr" typeface="Myanmar Text"/>
+        <a:font script="Nkoo" typeface="Ebrima"/>
+        <a:font script="Olck" typeface="Nirmala UI"/>
+        <a:font script="Osma" typeface="Ebrima"/>
+        <a:font script="Phag" typeface="Phagspa"/>
+        <a:font script="Syrn" typeface="Estrangelo Edessa"/>
+        <a:font script="Syrj" typeface="Estrangelo Edessa"/>
+        <a:font script="Syre" typeface="Estrangelo Edessa"/>
+        <a:font script="Sora" typeface="Nirmala UI"/>
+        <a:font script="Tale" typeface="Microsoft Tai Le"/>
+        <a:font script="Talu" typeface="Microsoft New Tai Lue"/>
+        <a:font script="Tfng" typeface="Ebrima"/>
+      </a:minorFont>
+    </a:fontScheme>
+    <a:fmtScheme name="Office">
+      <a:fillStyleLst>
+        <a:solidFill>
+          <a:schemeClr val="phClr"/>
+        </a:solidFill>
+        <a:gradFill rotWithShape="1">
+          <a:gsLst>
+            <a:gs pos="0">
+              <a:schemeClr val="phClr">
+                <a:lumMod val="110000"/>
+                <a:satMod val="105000"/>
+                <a:tint val="67000"/>
+              </a:schemeClr>
+            </a:gs>
+            <a:gs pos="50000">
+              <a:schemeClr val="phClr">
+                <a:lumMod val="105000"/>
+                <a:satMod val="103000"/>
+                <a:tint val="73000"/>
+              </a:schemeClr>
+            </a:gs>
+            <a:gs pos="100000">
+              <a:schemeClr val="phClr">
+                <a:lumMod val="105000"/>
+                <a:satMod val="109000"/>
+                <a:tint val="81000"/>
+              </a:schemeClr>
+            </a:gs>
+          </a:gsLst>
+          <a:lin ang="5400000" scaled="0"/>
+        </a:gradFill>
+        <a:gradFill rotWithShape="1">
+          <a:gsLst>
+            <a:gs pos="0">
+              <a:schemeClr val="phClr">
+                <a:satMod val="103000"/>
+                <a:lumMod val="102000"/>
+                <a:tint val="94000"/>
+              </a:schemeClr>
+            </a:gs>
+            <a:gs pos="50000">
+              <a:schemeClr val="phClr">
+                <a:satMod val="110000"/>
+                <a:lumMod val="100000"/>
+                <a:shade val="100000"/>
+              </a:schemeClr>
+            </a:gs>
+            <a:gs pos="100000">
+              <a:schemeClr val="phClr">
+                <a:lumMod val="99000"/>
+                <a:satMod val="120000"/>
+                <a:shade val="78000"/>
+              </a:schemeClr>
+            </a:gs>
+          </a:gsLst>
+          <a:lin ang="5400000" scaled="0"/>
+        </a:gradFill>
+      </a:fillStyleLst>
+      <a:lnStyleLst>
+        <a:ln w="12700" cap="flat" cmpd="sng" algn="ctr">
+          <a:solidFill>
+            <a:schemeClr val="phClr"/>
+          </a:solidFill>
+          <a:prstDash val="solid"/>
+          <a:miter lim="800000"/>
+        </a:ln>
+        <a:ln w="19050" cap="flat" cmpd="sng" algn="ctr">
+          <a:solidFill>
+            <a:schemeClr val="phClr"/>
+          </a:solidFill>
+          <a:prstDash val="solid"/>
+          <a:miter lim="800000"/>
+        </a:ln>
+        <a:ln w="25400" cap="flat" cmpd="sng" algn="ctr">
+          <a:solidFill>
+            <a:schemeClr val="phClr"/>
+          </a:solidFill>
+          <a:prstDash val="solid"/>
+          <a:miter lim="800000"/>
+        </a:ln>
+      </a:lnStyleLst>
+      <a:effectStyleLst>
+        <a:effectStyle>
+          <a:effectLst/>
+        </a:effectStyle>
+        <a:effectStyle>
+          <a:effectLst/>
+        </a:effectStyle>
+        <a:effectStyle>
+          <a:effectLst>
+            <a:outerShdw blurRad="57150" dist="19050" dir="5400000" algn="ctr" rotWithShape="0">
+              <a:srgbClr val="000000">
+                <a:alpha val="63000"/>
+              </a:srgbClr>
+            </a:outerShdw>
+          </a:effectLst>
+        </a:effectStyle>
+      </a:effectStyleLst>
+      <a:bgFillStyleLst>
+        <a:solidFill>
+          <a:schemeClr val="phClr"/>
+        </a:solidFill>
+        <a:solidFill>
+          <a:schemeClr val="phClr">
+            <a:tint val="95000"/>
+            <a:satMod val="170000"/>
+          </a:schemeClr>
+        </a:solidFill>
+        <a:gradFill rotWithShape="1">
+          <a:gsLst>
+            <a:gs pos="0">
+              <a:schemeClr val="phClr">
+                <a:tint val="93000"/>
+                <a:satMod val="150000"/>
+                <a:shade val="98000"/>
+                <a:lumMod val="102000"/>
+              </a:schemeClr>
+            </a:gs>
+            <a:gs pos="50000">
+              <a:schemeClr val="phClr">
+                <a:tint val="98000"/>
+                <a:satMod val="130000"/>
+                <a:shade val="90000"/>
+                <a:lumMod val="103000"/>
+              </a:schemeClr>
+            </a:gs>
+            <a:gs pos="100000">
+              <a:schemeClr val="phClr">
+                <a:shade val="63000"/>
+                <a:satMod val="120000"/>
+              </a:schemeClr>
+            </a:gs>
+          </a:gsLst>
+          <a:lin ang="5400000" scaled="0"/>
+        </a:gradFill>
+      </a:bgFillStyleLst>
+    </a:fmtScheme>
+  </a:themeElements>
+  <a:objectDefaults>
+    <a:lnDef>
+      <a:spPr/>
+      <a:bodyPr/>
+      <a:lstStyle/>
+      <a:style>
+        <a:lnRef idx="2">
+          <a:schemeClr val="accent1"/>
+        </a:lnRef>
+        <a:fillRef idx="0">
+          <a:schemeClr val="accent1"/>
+        </a:fillRef>
+        <a:effectRef idx="1">
+          <a:schemeClr val="accent1"/>
+        </a:effectRef>
+        <a:fontRef idx="minor">
+          <a:schemeClr val="tx1"/>
+        </a:fontRef>
+      </a:style>
+    </a:lnDef>
+  </a:objectDefaults>
+  <a:extraClrSchemeLst/>
+  <a:extLst>
+    <a:ext uri="{05A4C25C-085E-4340-85A3-A5531E510DB2}">
+      <thm15:themeFamily xmlns:thm15="http://schemas.microsoft.com/office/thememl/2012/main" name="Office Theme" id="{2E142A2C-CD16-42D6-873A-C26D2A0506FA}" vid="{1BDDFF52-6CD6-40A5-AB3C-68EB2F1E4D0A}"/>
+    </a:ext>
+  </a:extLst>
+</a:theme>
+</file>
+
 <file path=docMetadata/LabelInfo.xml><?xml version="1.0" encoding="utf-8"?>
 <clbl:labelList xmlns:clbl="http://schemas.microsoft.com/office/2020/mipLabelMetadata">
   <clbl:label id="{f5dbba49-ce06-496f-ac3e-0cf14361d934}" enabled="0" method="" siteId="{f5dbba49-ce06-496f-ac3e-0cf14361d934}" removed="1"/>
